--- a/Mushroom classification.pptx
+++ b/Mushroom classification.pptx
@@ -123,3104 +123,6 @@
     </p:ext>
   </p:extLst>
 </p:presentation>
-</file>
-
-<file path=ppt/diagrams/colors1.xml><?xml version="1.0" encoding="utf-8"?>
-<dgm:colorsDef xmlns:dgm="http://schemas.openxmlformats.org/drawingml/2006/diagram" xmlns:a="http://schemas.openxmlformats.org/drawingml/2006/main" uniqueId="urn:microsoft.com/office/officeart/2005/8/colors/colorful2">
-  <dgm:title val=""/>
-  <dgm:desc val=""/>
-  <dgm:catLst>
-    <dgm:cat type="colorful" pri="10200"/>
-  </dgm:catLst>
-  <dgm:styleLbl name="node0">
-    <dgm:fillClrLst meth="repeat">
-      <a:schemeClr val="accent1"/>
-    </dgm:fillClrLst>
-    <dgm:linClrLst meth="repeat">
-      <a:schemeClr val="lt1"/>
-    </dgm:linClrLst>
-    <dgm:effectClrLst/>
-    <dgm:txLinClrLst/>
-    <dgm:txFillClrLst/>
-    <dgm:txEffectClrLst/>
-  </dgm:styleLbl>
-  <dgm:styleLbl name="node1">
-    <dgm:fillClrLst>
-      <a:schemeClr val="accent2"/>
-      <a:schemeClr val="accent3"/>
-    </dgm:fillClrLst>
-    <dgm:linClrLst meth="repeat">
-      <a:schemeClr val="lt1"/>
-    </dgm:linClrLst>
-    <dgm:effectClrLst/>
-    <dgm:txLinClrLst/>
-    <dgm:txFillClrLst/>
-    <dgm:txEffectClrLst/>
-  </dgm:styleLbl>
-  <dgm:styleLbl name="alignNode1">
-    <dgm:fillClrLst>
-      <a:schemeClr val="accent2"/>
-      <a:schemeClr val="accent3"/>
-    </dgm:fillClrLst>
-    <dgm:linClrLst>
-      <a:schemeClr val="accent2"/>
-      <a:schemeClr val="accent3"/>
-    </dgm:linClrLst>
-    <dgm:effectClrLst/>
-    <dgm:txLinClrLst/>
-    <dgm:txFillClrLst/>
-    <dgm:txEffectClrLst/>
-  </dgm:styleLbl>
-  <dgm:styleLbl name="lnNode1">
-    <dgm:fillClrLst>
-      <a:schemeClr val="accent2"/>
-      <a:schemeClr val="accent3"/>
-    </dgm:fillClrLst>
-    <dgm:linClrLst meth="repeat">
-      <a:schemeClr val="lt1"/>
-    </dgm:linClrLst>
-    <dgm:effectClrLst/>
-    <dgm:txLinClrLst/>
-    <dgm:txFillClrLst/>
-    <dgm:txEffectClrLst/>
-  </dgm:styleLbl>
-  <dgm:styleLbl name="vennNode1">
-    <dgm:fillClrLst>
-      <a:schemeClr val="accent2">
-        <a:alpha val="50000"/>
-      </a:schemeClr>
-      <a:schemeClr val="accent3">
-        <a:alpha val="50000"/>
-      </a:schemeClr>
-    </dgm:fillClrLst>
-    <dgm:linClrLst meth="repeat">
-      <a:schemeClr val="lt1"/>
-    </dgm:linClrLst>
-    <dgm:effectClrLst/>
-    <dgm:txLinClrLst/>
-    <dgm:txFillClrLst/>
-    <dgm:txEffectClrLst/>
-  </dgm:styleLbl>
-  <dgm:styleLbl name="node2">
-    <dgm:fillClrLst>
-      <a:schemeClr val="accent3"/>
-    </dgm:fillClrLst>
-    <dgm:linClrLst meth="repeat">
-      <a:schemeClr val="lt1"/>
-    </dgm:linClrLst>
-    <dgm:effectClrLst/>
-    <dgm:txLinClrLst/>
-    <dgm:txFillClrLst/>
-    <dgm:txEffectClrLst/>
-  </dgm:styleLbl>
-  <dgm:styleLbl name="node3">
-    <dgm:fillClrLst>
-      <a:schemeClr val="accent4"/>
-    </dgm:fillClrLst>
-    <dgm:linClrLst meth="repeat">
-      <a:schemeClr val="lt1"/>
-    </dgm:linClrLst>
-    <dgm:effectClrLst/>
-    <dgm:txLinClrLst/>
-    <dgm:txFillClrLst/>
-    <dgm:txEffectClrLst/>
-  </dgm:styleLbl>
-  <dgm:styleLbl name="node4">
-    <dgm:fillClrLst>
-      <a:schemeClr val="accent5"/>
-    </dgm:fillClrLst>
-    <dgm:linClrLst meth="repeat">
-      <a:schemeClr val="lt1"/>
-    </dgm:linClrLst>
-    <dgm:effectClrLst/>
-    <dgm:txLinClrLst/>
-    <dgm:txFillClrLst/>
-    <dgm:txEffectClrLst/>
-  </dgm:styleLbl>
-  <dgm:styleLbl name="fgImgPlace1">
-    <dgm:fillClrLst>
-      <a:schemeClr val="accent2">
-        <a:tint val="50000"/>
-      </a:schemeClr>
-      <a:schemeClr val="accent3">
-        <a:tint val="50000"/>
-      </a:schemeClr>
-    </dgm:fillClrLst>
-    <dgm:linClrLst meth="repeat">
-      <a:schemeClr val="lt1"/>
-    </dgm:linClrLst>
-    <dgm:effectClrLst/>
-    <dgm:txLinClrLst/>
-    <dgm:txFillClrLst meth="repeat">
-      <a:schemeClr val="lt1"/>
-    </dgm:txFillClrLst>
-    <dgm:txEffectClrLst/>
-  </dgm:styleLbl>
-  <dgm:styleLbl name="alignImgPlace1">
-    <dgm:fillClrLst>
-      <a:schemeClr val="accent2">
-        <a:tint val="50000"/>
-      </a:schemeClr>
-      <a:schemeClr val="accent3">
-        <a:tint val="20000"/>
-      </a:schemeClr>
-    </dgm:fillClrLst>
-    <dgm:linClrLst meth="repeat">
-      <a:schemeClr val="lt1"/>
-    </dgm:linClrLst>
-    <dgm:effectClrLst/>
-    <dgm:txLinClrLst/>
-    <dgm:txFillClrLst meth="repeat">
-      <a:schemeClr val="lt1"/>
-    </dgm:txFillClrLst>
-    <dgm:txEffectClrLst/>
-  </dgm:styleLbl>
-  <dgm:styleLbl name="bgImgPlace1">
-    <dgm:fillClrLst>
-      <a:schemeClr val="accent2">
-        <a:tint val="50000"/>
-      </a:schemeClr>
-      <a:schemeClr val="accent3">
-        <a:tint val="20000"/>
-      </a:schemeClr>
-    </dgm:fillClrLst>
-    <dgm:linClrLst meth="repeat">
-      <a:schemeClr val="lt1"/>
-    </dgm:linClrLst>
-    <dgm:effectClrLst/>
-    <dgm:txLinClrLst/>
-    <dgm:txFillClrLst meth="repeat">
-      <a:schemeClr val="lt1"/>
-    </dgm:txFillClrLst>
-    <dgm:txEffectClrLst/>
-  </dgm:styleLbl>
-  <dgm:styleLbl name="sibTrans2D1">
-    <dgm:fillClrLst>
-      <a:schemeClr val="accent2"/>
-      <a:schemeClr val="accent3"/>
-    </dgm:fillClrLst>
-    <dgm:linClrLst meth="repeat">
-      <a:schemeClr val="lt1"/>
-    </dgm:linClrLst>
-    <dgm:effectClrLst/>
-    <dgm:txLinClrLst/>
-    <dgm:txFillClrLst/>
-    <dgm:txEffectClrLst/>
-  </dgm:styleLbl>
-  <dgm:styleLbl name="fgSibTrans2D1">
-    <dgm:fillClrLst>
-      <a:schemeClr val="accent2"/>
-      <a:schemeClr val="accent3"/>
-    </dgm:fillClrLst>
-    <dgm:linClrLst meth="repeat">
-      <a:schemeClr val="lt1"/>
-    </dgm:linClrLst>
-    <dgm:effectClrLst/>
-    <dgm:txLinClrLst/>
-    <dgm:txFillClrLst meth="repeat">
-      <a:schemeClr val="lt1"/>
-    </dgm:txFillClrLst>
-    <dgm:txEffectClrLst/>
-  </dgm:styleLbl>
-  <dgm:styleLbl name="bgSibTrans2D1">
-    <dgm:fillClrLst>
-      <a:schemeClr val="accent2"/>
-      <a:schemeClr val="accent3"/>
-    </dgm:fillClrLst>
-    <dgm:linClrLst meth="repeat">
-      <a:schemeClr val="lt1"/>
-    </dgm:linClrLst>
-    <dgm:effectClrLst/>
-    <dgm:txLinClrLst/>
-    <dgm:txFillClrLst meth="repeat">
-      <a:schemeClr val="lt1"/>
-    </dgm:txFillClrLst>
-    <dgm:txEffectClrLst/>
-  </dgm:styleLbl>
-  <dgm:styleLbl name="sibTrans1D1">
-    <dgm:fillClrLst/>
-    <dgm:linClrLst>
-      <a:schemeClr val="accent2"/>
-      <a:schemeClr val="accent3"/>
-    </dgm:linClrLst>
-    <dgm:effectClrLst/>
-    <dgm:txLinClrLst/>
-    <dgm:txFillClrLst meth="repeat">
-      <a:schemeClr val="tx1"/>
-    </dgm:txFillClrLst>
-    <dgm:txEffectClrLst/>
-  </dgm:styleLbl>
-  <dgm:styleLbl name="callout">
-    <dgm:fillClrLst meth="repeat">
-      <a:schemeClr val="accent2"/>
-    </dgm:fillClrLst>
-    <dgm:linClrLst meth="repeat">
-      <a:schemeClr val="accent2">
-        <a:tint val="50000"/>
-      </a:schemeClr>
-    </dgm:linClrLst>
-    <dgm:effectClrLst/>
-    <dgm:txLinClrLst/>
-    <dgm:txFillClrLst meth="repeat">
-      <a:schemeClr val="tx1"/>
-    </dgm:txFillClrLst>
-    <dgm:txEffectClrLst/>
-  </dgm:styleLbl>
-  <dgm:styleLbl name="asst0">
-    <dgm:fillClrLst meth="repeat">
-      <a:schemeClr val="accent2"/>
-    </dgm:fillClrLst>
-    <dgm:linClrLst meth="repeat">
-      <a:schemeClr val="lt1">
-        <a:shade val="80000"/>
-      </a:schemeClr>
-    </dgm:linClrLst>
-    <dgm:effectClrLst/>
-    <dgm:txLinClrLst/>
-    <dgm:txFillClrLst/>
-    <dgm:txEffectClrLst/>
-  </dgm:styleLbl>
-  <dgm:styleLbl name="asst1">
-    <dgm:fillClrLst meth="repeat">
-      <a:schemeClr val="accent3"/>
-    </dgm:fillClrLst>
-    <dgm:linClrLst meth="repeat">
-      <a:schemeClr val="lt1">
-        <a:shade val="80000"/>
-      </a:schemeClr>
-    </dgm:linClrLst>
-    <dgm:effectClrLst/>
-    <dgm:txLinClrLst/>
-    <dgm:txFillClrLst/>
-    <dgm:txEffectClrLst/>
-  </dgm:styleLbl>
-  <dgm:styleLbl name="asst2">
-    <dgm:fillClrLst>
-      <a:schemeClr val="accent4"/>
-    </dgm:fillClrLst>
-    <dgm:linClrLst meth="repeat">
-      <a:schemeClr val="lt1"/>
-    </dgm:linClrLst>
-    <dgm:effectClrLst/>
-    <dgm:txLinClrLst/>
-    <dgm:txFillClrLst/>
-    <dgm:txEffectClrLst/>
-  </dgm:styleLbl>
-  <dgm:styleLbl name="asst3">
-    <dgm:fillClrLst>
-      <a:schemeClr val="accent5"/>
-    </dgm:fillClrLst>
-    <dgm:linClrLst meth="repeat">
-      <a:schemeClr val="lt1"/>
-    </dgm:linClrLst>
-    <dgm:effectClrLst/>
-    <dgm:txLinClrLst/>
-    <dgm:txFillClrLst/>
-    <dgm:txEffectClrLst/>
-  </dgm:styleLbl>
-  <dgm:styleLbl name="asst4">
-    <dgm:fillClrLst>
-      <a:schemeClr val="accent6"/>
-    </dgm:fillClrLst>
-    <dgm:linClrLst meth="repeat">
-      <a:schemeClr val="lt1"/>
-    </dgm:linClrLst>
-    <dgm:effectClrLst/>
-    <dgm:txLinClrLst/>
-    <dgm:txFillClrLst/>
-    <dgm:txEffectClrLst/>
-  </dgm:styleLbl>
-  <dgm:styleLbl name="parChTrans2D1">
-    <dgm:fillClrLst meth="repeat">
-      <a:schemeClr val="accent2"/>
-    </dgm:fillClrLst>
-    <dgm:linClrLst meth="repeat">
-      <a:schemeClr val="lt1"/>
-    </dgm:linClrLst>
-    <dgm:effectClrLst/>
-    <dgm:txLinClrLst/>
-    <dgm:txFillClrLst meth="repeat">
-      <a:schemeClr val="lt1"/>
-    </dgm:txFillClrLst>
-    <dgm:txEffectClrLst/>
-  </dgm:styleLbl>
-  <dgm:styleLbl name="parChTrans2D2">
-    <dgm:fillClrLst meth="repeat">
-      <a:schemeClr val="accent3"/>
-    </dgm:fillClrLst>
-    <dgm:linClrLst meth="repeat">
-      <a:schemeClr val="lt1"/>
-    </dgm:linClrLst>
-    <dgm:effectClrLst/>
-    <dgm:txLinClrLst/>
-    <dgm:txFillClrLst/>
-    <dgm:txEffectClrLst/>
-  </dgm:styleLbl>
-  <dgm:styleLbl name="parChTrans2D3">
-    <dgm:fillClrLst meth="repeat">
-      <a:schemeClr val="accent4"/>
-    </dgm:fillClrLst>
-    <dgm:linClrLst meth="repeat">
-      <a:schemeClr val="lt1"/>
-    </dgm:linClrLst>
-    <dgm:effectClrLst/>
-    <dgm:txLinClrLst/>
-    <dgm:txFillClrLst/>
-    <dgm:txEffectClrLst/>
-  </dgm:styleLbl>
-  <dgm:styleLbl name="parChTrans2D4">
-    <dgm:fillClrLst meth="repeat">
-      <a:schemeClr val="accent5"/>
-    </dgm:fillClrLst>
-    <dgm:linClrLst meth="repeat">
-      <a:schemeClr val="lt1"/>
-    </dgm:linClrLst>
-    <dgm:effectClrLst/>
-    <dgm:txLinClrLst/>
-    <dgm:txFillClrLst meth="repeat">
-      <a:schemeClr val="lt1"/>
-    </dgm:txFillClrLst>
-    <dgm:txEffectClrLst/>
-  </dgm:styleLbl>
-  <dgm:styleLbl name="parChTrans1D1">
-    <dgm:fillClrLst meth="repeat">
-      <a:schemeClr val="accent2"/>
-    </dgm:fillClrLst>
-    <dgm:linClrLst meth="repeat">
-      <a:schemeClr val="accent2"/>
-    </dgm:linClrLst>
-    <dgm:effectClrLst/>
-    <dgm:txLinClrLst/>
-    <dgm:txFillClrLst meth="repeat">
-      <a:schemeClr val="tx1"/>
-    </dgm:txFillClrLst>
-    <dgm:txEffectClrLst/>
-  </dgm:styleLbl>
-  <dgm:styleLbl name="parChTrans1D2">
-    <dgm:fillClrLst meth="repeat">
-      <a:schemeClr val="accent2">
-        <a:tint val="90000"/>
-      </a:schemeClr>
-    </dgm:fillClrLst>
-    <dgm:linClrLst meth="repeat">
-      <a:schemeClr val="accent3"/>
-    </dgm:linClrLst>
-    <dgm:effectClrLst/>
-    <dgm:txLinClrLst/>
-    <dgm:txFillClrLst meth="repeat">
-      <a:schemeClr val="tx1"/>
-    </dgm:txFillClrLst>
-    <dgm:txEffectClrLst/>
-  </dgm:styleLbl>
-  <dgm:styleLbl name="parChTrans1D3">
-    <dgm:fillClrLst meth="repeat">
-      <a:schemeClr val="accent2">
-        <a:tint val="70000"/>
-      </a:schemeClr>
-    </dgm:fillClrLst>
-    <dgm:linClrLst meth="repeat">
-      <a:schemeClr val="accent4"/>
-    </dgm:linClrLst>
-    <dgm:effectClrLst/>
-    <dgm:txLinClrLst/>
-    <dgm:txFillClrLst meth="repeat">
-      <a:schemeClr val="tx1"/>
-    </dgm:txFillClrLst>
-    <dgm:txEffectClrLst/>
-  </dgm:styleLbl>
-  <dgm:styleLbl name="parChTrans1D4">
-    <dgm:fillClrLst meth="repeat">
-      <a:schemeClr val="accent2">
-        <a:tint val="50000"/>
-      </a:schemeClr>
-    </dgm:fillClrLst>
-    <dgm:linClrLst meth="repeat">
-      <a:schemeClr val="accent5"/>
-    </dgm:linClrLst>
-    <dgm:effectClrLst/>
-    <dgm:txLinClrLst/>
-    <dgm:txFillClrLst meth="repeat">
-      <a:schemeClr val="tx1"/>
-    </dgm:txFillClrLst>
-    <dgm:txEffectClrLst/>
-  </dgm:styleLbl>
-  <dgm:styleLbl name="fgAcc1">
-    <dgm:fillClrLst meth="repeat">
-      <a:schemeClr val="lt1">
-        <a:alpha val="90000"/>
-      </a:schemeClr>
-    </dgm:fillClrLst>
-    <dgm:linClrLst>
-      <a:schemeClr val="accent2"/>
-      <a:schemeClr val="accent3"/>
-    </dgm:linClrLst>
-    <dgm:effectClrLst/>
-    <dgm:txLinClrLst/>
-    <dgm:txFillClrLst meth="repeat">
-      <a:schemeClr val="dk1"/>
-    </dgm:txFillClrLst>
-    <dgm:txEffectClrLst/>
-  </dgm:styleLbl>
-  <dgm:styleLbl name="conFgAcc1">
-    <dgm:fillClrLst meth="repeat">
-      <a:schemeClr val="lt1">
-        <a:alpha val="90000"/>
-      </a:schemeClr>
-    </dgm:fillClrLst>
-    <dgm:linClrLst>
-      <a:schemeClr val="accent2"/>
-      <a:schemeClr val="accent3"/>
-    </dgm:linClrLst>
-    <dgm:effectClrLst/>
-    <dgm:txLinClrLst/>
-    <dgm:txFillClrLst meth="repeat">
-      <a:schemeClr val="dk1"/>
-    </dgm:txFillClrLst>
-    <dgm:txEffectClrLst/>
-  </dgm:styleLbl>
-  <dgm:styleLbl name="alignAcc1">
-    <dgm:fillClrLst meth="repeat">
-      <a:schemeClr val="lt1">
-        <a:alpha val="90000"/>
-      </a:schemeClr>
-    </dgm:fillClrLst>
-    <dgm:linClrLst>
-      <a:schemeClr val="accent2"/>
-      <a:schemeClr val="accent3"/>
-    </dgm:linClrLst>
-    <dgm:effectClrLst/>
-    <dgm:txLinClrLst/>
-    <dgm:txFillClrLst meth="repeat">
-      <a:schemeClr val="dk1"/>
-    </dgm:txFillClrLst>
-    <dgm:txEffectClrLst/>
-  </dgm:styleLbl>
-  <dgm:styleLbl name="trAlignAcc1">
-    <dgm:fillClrLst meth="repeat">
-      <a:schemeClr val="lt1">
-        <a:alpha val="40000"/>
-      </a:schemeClr>
-    </dgm:fillClrLst>
-    <dgm:linClrLst meth="repeat">
-      <a:schemeClr val="accent2"/>
-    </dgm:linClrLst>
-    <dgm:effectClrLst/>
-    <dgm:txLinClrLst/>
-    <dgm:txFillClrLst meth="repeat">
-      <a:schemeClr val="dk1"/>
-    </dgm:txFillClrLst>
-    <dgm:txEffectClrLst/>
-  </dgm:styleLbl>
-  <dgm:styleLbl name="bgAcc1">
-    <dgm:fillClrLst meth="repeat">
-      <a:schemeClr val="lt1">
-        <a:alpha val="90000"/>
-      </a:schemeClr>
-    </dgm:fillClrLst>
-    <dgm:linClrLst>
-      <a:schemeClr val="accent2"/>
-      <a:schemeClr val="accent3"/>
-    </dgm:linClrLst>
-    <dgm:effectClrLst/>
-    <dgm:txLinClrLst/>
-    <dgm:txFillClrLst meth="repeat">
-      <a:schemeClr val="dk1"/>
-    </dgm:txFillClrLst>
-    <dgm:txEffectClrLst/>
-  </dgm:styleLbl>
-  <dgm:styleLbl name="solidFgAcc1">
-    <dgm:fillClrLst meth="repeat">
-      <a:schemeClr val="lt1"/>
-    </dgm:fillClrLst>
-    <dgm:linClrLst>
-      <a:schemeClr val="accent2"/>
-      <a:schemeClr val="accent3"/>
-    </dgm:linClrLst>
-    <dgm:effectClrLst/>
-    <dgm:txLinClrLst/>
-    <dgm:txFillClrLst meth="repeat">
-      <a:schemeClr val="dk1"/>
-    </dgm:txFillClrLst>
-    <dgm:txEffectClrLst/>
-  </dgm:styleLbl>
-  <dgm:styleLbl name="solidAlignAcc1">
-    <dgm:fillClrLst meth="repeat">
-      <a:schemeClr val="lt1"/>
-    </dgm:fillClrLst>
-    <dgm:linClrLst>
-      <a:schemeClr val="accent2"/>
-      <a:schemeClr val="accent3"/>
-    </dgm:linClrLst>
-    <dgm:effectClrLst/>
-    <dgm:txLinClrLst/>
-    <dgm:txFillClrLst meth="repeat">
-      <a:schemeClr val="dk1"/>
-    </dgm:txFillClrLst>
-    <dgm:txEffectClrLst/>
-  </dgm:styleLbl>
-  <dgm:styleLbl name="solidBgAcc1">
-    <dgm:fillClrLst meth="repeat">
-      <a:schemeClr val="lt1"/>
-    </dgm:fillClrLst>
-    <dgm:linClrLst>
-      <a:schemeClr val="accent2"/>
-      <a:schemeClr val="accent3"/>
-    </dgm:linClrLst>
-    <dgm:effectClrLst/>
-    <dgm:txLinClrLst/>
-    <dgm:txFillClrLst meth="repeat">
-      <a:schemeClr val="dk1"/>
-    </dgm:txFillClrLst>
-    <dgm:txEffectClrLst/>
-  </dgm:styleLbl>
-  <dgm:styleLbl name="fgAccFollowNode1">
-    <dgm:fillClrLst>
-      <a:schemeClr val="accent2">
-        <a:tint val="40000"/>
-        <a:alpha val="90000"/>
-      </a:schemeClr>
-      <a:schemeClr val="accent3">
-        <a:tint val="40000"/>
-        <a:alpha val="90000"/>
-      </a:schemeClr>
-    </dgm:fillClrLst>
-    <dgm:linClrLst>
-      <a:schemeClr val="accent2">
-        <a:tint val="40000"/>
-        <a:alpha val="90000"/>
-      </a:schemeClr>
-      <a:schemeClr val="accent3">
-        <a:tint val="40000"/>
-        <a:alpha val="90000"/>
-      </a:schemeClr>
-    </dgm:linClrLst>
-    <dgm:effectClrLst/>
-    <dgm:txLinClrLst/>
-    <dgm:txFillClrLst meth="repeat">
-      <a:schemeClr val="dk1"/>
-    </dgm:txFillClrLst>
-    <dgm:txEffectClrLst/>
-  </dgm:styleLbl>
-  <dgm:styleLbl name="alignAccFollowNode1">
-    <dgm:fillClrLst>
-      <a:schemeClr val="accent2">
-        <a:tint val="40000"/>
-        <a:alpha val="90000"/>
-      </a:schemeClr>
-      <a:schemeClr val="accent3">
-        <a:tint val="40000"/>
-        <a:alpha val="90000"/>
-      </a:schemeClr>
-    </dgm:fillClrLst>
-    <dgm:linClrLst>
-      <a:schemeClr val="accent2">
-        <a:tint val="40000"/>
-        <a:alpha val="90000"/>
-      </a:schemeClr>
-      <a:schemeClr val="accent3">
-        <a:tint val="40000"/>
-        <a:alpha val="90000"/>
-      </a:schemeClr>
-    </dgm:linClrLst>
-    <dgm:effectClrLst/>
-    <dgm:txLinClrLst/>
-    <dgm:txFillClrLst meth="repeat">
-      <a:schemeClr val="dk1"/>
-    </dgm:txFillClrLst>
-    <dgm:txEffectClrLst/>
-  </dgm:styleLbl>
-  <dgm:styleLbl name="bgAccFollowNode1">
-    <dgm:fillClrLst>
-      <a:schemeClr val="accent2">
-        <a:tint val="40000"/>
-        <a:alpha val="90000"/>
-      </a:schemeClr>
-      <a:schemeClr val="accent3">
-        <a:tint val="40000"/>
-        <a:alpha val="90000"/>
-      </a:schemeClr>
-    </dgm:fillClrLst>
-    <dgm:linClrLst>
-      <a:schemeClr val="accent2">
-        <a:tint val="40000"/>
-        <a:alpha val="90000"/>
-      </a:schemeClr>
-      <a:schemeClr val="accent3">
-        <a:tint val="40000"/>
-        <a:alpha val="90000"/>
-      </a:schemeClr>
-    </dgm:linClrLst>
-    <dgm:effectClrLst/>
-    <dgm:txLinClrLst/>
-    <dgm:txFillClrLst meth="repeat">
-      <a:schemeClr val="dk1"/>
-    </dgm:txFillClrLst>
-    <dgm:txEffectClrLst/>
-  </dgm:styleLbl>
-  <dgm:styleLbl name="fgAcc0">
-    <dgm:fillClrLst meth="repeat">
-      <a:schemeClr val="lt1">
-        <a:alpha val="90000"/>
-      </a:schemeClr>
-    </dgm:fillClrLst>
-    <dgm:linClrLst>
-      <a:schemeClr val="accent1"/>
-    </dgm:linClrLst>
-    <dgm:effectClrLst/>
-    <dgm:txLinClrLst/>
-    <dgm:txFillClrLst meth="repeat">
-      <a:schemeClr val="dk1"/>
-    </dgm:txFillClrLst>
-    <dgm:txEffectClrLst/>
-  </dgm:styleLbl>
-  <dgm:styleLbl name="fgAcc2">
-    <dgm:fillClrLst meth="repeat">
-      <a:schemeClr val="lt1">
-        <a:alpha val="90000"/>
-      </a:schemeClr>
-    </dgm:fillClrLst>
-    <dgm:linClrLst>
-      <a:schemeClr val="accent3"/>
-    </dgm:linClrLst>
-    <dgm:effectClrLst/>
-    <dgm:txLinClrLst/>
-    <dgm:txFillClrLst meth="repeat">
-      <a:schemeClr val="dk1"/>
-    </dgm:txFillClrLst>
-    <dgm:txEffectClrLst/>
-  </dgm:styleLbl>
-  <dgm:styleLbl name="fgAcc3">
-    <dgm:fillClrLst meth="repeat">
-      <a:schemeClr val="lt1">
-        <a:alpha val="90000"/>
-      </a:schemeClr>
-    </dgm:fillClrLst>
-    <dgm:linClrLst>
-      <a:schemeClr val="accent4"/>
-    </dgm:linClrLst>
-    <dgm:effectClrLst/>
-    <dgm:txLinClrLst/>
-    <dgm:txFillClrLst meth="repeat">
-      <a:schemeClr val="dk1"/>
-    </dgm:txFillClrLst>
-    <dgm:txEffectClrLst/>
-  </dgm:styleLbl>
-  <dgm:styleLbl name="fgAcc4">
-    <dgm:fillClrLst meth="repeat">
-      <a:schemeClr val="lt1">
-        <a:alpha val="90000"/>
-      </a:schemeClr>
-    </dgm:fillClrLst>
-    <dgm:linClrLst>
-      <a:schemeClr val="accent5"/>
-    </dgm:linClrLst>
-    <dgm:effectClrLst/>
-    <dgm:txLinClrLst/>
-    <dgm:txFillClrLst meth="repeat">
-      <a:schemeClr val="dk1"/>
-    </dgm:txFillClrLst>
-    <dgm:txEffectClrLst/>
-  </dgm:styleLbl>
-  <dgm:styleLbl name="bgShp">
-    <dgm:fillClrLst meth="repeat">
-      <a:schemeClr val="accent2">
-        <a:tint val="40000"/>
-      </a:schemeClr>
-    </dgm:fillClrLst>
-    <dgm:linClrLst meth="repeat">
-      <a:schemeClr val="dk1"/>
-    </dgm:linClrLst>
-    <dgm:effectClrLst/>
-    <dgm:txLinClrLst/>
-    <dgm:txFillClrLst meth="repeat">
-      <a:schemeClr val="dk1"/>
-    </dgm:txFillClrLst>
-    <dgm:txEffectClrLst/>
-  </dgm:styleLbl>
-  <dgm:styleLbl name="dkBgShp">
-    <dgm:fillClrLst meth="repeat">
-      <a:schemeClr val="accent2">
-        <a:shade val="90000"/>
-      </a:schemeClr>
-    </dgm:fillClrLst>
-    <dgm:linClrLst meth="repeat">
-      <a:schemeClr val="dk1"/>
-    </dgm:linClrLst>
-    <dgm:effectClrLst/>
-    <dgm:txLinClrLst/>
-    <dgm:txFillClrLst meth="repeat">
-      <a:schemeClr val="lt1"/>
-    </dgm:txFillClrLst>
-    <dgm:txEffectClrLst/>
-  </dgm:styleLbl>
-  <dgm:styleLbl name="trBgShp">
-    <dgm:fillClrLst meth="repeat">
-      <a:schemeClr val="accent2">
-        <a:tint val="50000"/>
-        <a:alpha val="40000"/>
-      </a:schemeClr>
-    </dgm:fillClrLst>
-    <dgm:linClrLst meth="repeat">
-      <a:schemeClr val="accent2"/>
-    </dgm:linClrLst>
-    <dgm:effectClrLst/>
-    <dgm:txLinClrLst/>
-    <dgm:txFillClrLst meth="repeat">
-      <a:schemeClr val="lt1"/>
-    </dgm:txFillClrLst>
-    <dgm:txEffectClrLst/>
-  </dgm:styleLbl>
-  <dgm:styleLbl name="fgShp">
-    <dgm:fillClrLst meth="repeat">
-      <a:schemeClr val="accent2">
-        <a:tint val="40000"/>
-      </a:schemeClr>
-    </dgm:fillClrLst>
-    <dgm:linClrLst meth="repeat">
-      <a:schemeClr val="lt1"/>
-    </dgm:linClrLst>
-    <dgm:effectClrLst/>
-    <dgm:txLinClrLst/>
-    <dgm:txFillClrLst meth="repeat">
-      <a:schemeClr val="dk1"/>
-    </dgm:txFillClrLst>
-    <dgm:txEffectClrLst/>
-  </dgm:styleLbl>
-  <dgm:styleLbl name="revTx">
-    <dgm:fillClrLst meth="repeat">
-      <a:schemeClr val="lt1">
-        <a:alpha val="0"/>
-      </a:schemeClr>
-    </dgm:fillClrLst>
-    <dgm:linClrLst meth="repeat">
-      <a:schemeClr val="dk1">
-        <a:alpha val="0"/>
-      </a:schemeClr>
-    </dgm:linClrLst>
-    <dgm:effectClrLst/>
-    <dgm:txLinClrLst/>
-    <dgm:txFillClrLst meth="repeat">
-      <a:schemeClr val="tx1"/>
-    </dgm:txFillClrLst>
-    <dgm:txEffectClrLst/>
-  </dgm:styleLbl>
-</dgm:colorsDef>
-</file>
-
-<file path=ppt/diagrams/data1.xml><?xml version="1.0" encoding="utf-8"?>
-<dgm:dataModel xmlns:dgm="http://schemas.openxmlformats.org/drawingml/2006/diagram" xmlns:a="http://schemas.openxmlformats.org/drawingml/2006/main">
-  <dgm:ptLst>
-    <dgm:pt modelId="{3F442EA2-39BA-4C9A-AD59-755D4917D532}" type="doc">
-      <dgm:prSet loTypeId="urn:microsoft.com/office/officeart/2005/8/layout/list1" loCatId="list" qsTypeId="urn:microsoft.com/office/officeart/2005/8/quickstyle/simple1" qsCatId="simple" csTypeId="urn:microsoft.com/office/officeart/2005/8/colors/colorful2" csCatId="colorful" phldr="1"/>
-      <dgm:spPr/>
-      <dgm:t>
-        <a:bodyPr/>
-        <a:lstStyle/>
-        <a:p>
-          <a:endParaRPr lang="en-US"/>
-        </a:p>
-      </dgm:t>
-    </dgm:pt>
-    <dgm:pt modelId="{4DF9FE7B-F642-4898-A360-D4E3814E1A3D}">
-      <dgm:prSet phldrT="[Text]"/>
-      <dgm:spPr/>
-      <dgm:t>
-        <a:bodyPr/>
-        <a:lstStyle/>
-        <a:p>
-          <a:r>
-            <a:rPr lang="en-US" dirty="0"/>
-            <a:t>Group A</a:t>
-          </a:r>
-        </a:p>
-      </dgm:t>
-      <dgm:extLst>
-        <a:ext uri="{E40237B7-FDA0-4F09-8148-C483321AD2D9}">
-          <dgm14:cNvPr xmlns:dgm14="http://schemas.microsoft.com/office/drawing/2010/diagram" id="0" name="" title="Group A title"/>
-        </a:ext>
-      </dgm:extLst>
-    </dgm:pt>
-    <dgm:pt modelId="{1C10F06D-860A-4604-A7AD-02E614FE3976}" type="parTrans" cxnId="{EBD8BE8D-6018-43E2-B081-034BB5656EB6}">
-      <dgm:prSet/>
-      <dgm:spPr/>
-      <dgm:t>
-        <a:bodyPr/>
-        <a:lstStyle/>
-        <a:p>
-          <a:endParaRPr lang="en-US"/>
-        </a:p>
-      </dgm:t>
-    </dgm:pt>
-    <dgm:pt modelId="{43C18EFF-81FC-4D70-8C6B-E95FF3730413}" type="sibTrans" cxnId="{EBD8BE8D-6018-43E2-B081-034BB5656EB6}">
-      <dgm:prSet/>
-      <dgm:spPr/>
-      <dgm:t>
-        <a:bodyPr/>
-        <a:lstStyle/>
-        <a:p>
-          <a:endParaRPr lang="en-US"/>
-        </a:p>
-      </dgm:t>
-    </dgm:pt>
-    <dgm:pt modelId="{EFF2750D-B4B3-474C-8B62-8B638DC31F7E}">
-      <dgm:prSet phldrT="[Text]"/>
-      <dgm:spPr/>
-      <dgm:t>
-        <a:bodyPr/>
-        <a:lstStyle/>
-        <a:p>
-          <a:r>
-            <a:rPr lang="en-US" dirty="0"/>
-            <a:t>Task 1</a:t>
-          </a:r>
-        </a:p>
-      </dgm:t>
-      <dgm:extLst>
-        <a:ext uri="{E40237B7-FDA0-4F09-8148-C483321AD2D9}">
-          <dgm14:cNvPr xmlns:dgm14="http://schemas.microsoft.com/office/drawing/2010/diagram" id="0" name="" title="Group A tasks"/>
-        </a:ext>
-      </dgm:extLst>
-    </dgm:pt>
-    <dgm:pt modelId="{AEBC78E6-CDDC-4C8F-A157-3C51E907FACD}" type="parTrans" cxnId="{A058DDA2-48CA-4E5B-B389-F71A59C262B0}">
-      <dgm:prSet/>
-      <dgm:spPr/>
-      <dgm:t>
-        <a:bodyPr/>
-        <a:lstStyle/>
-        <a:p>
-          <a:endParaRPr lang="en-US"/>
-        </a:p>
-      </dgm:t>
-    </dgm:pt>
-    <dgm:pt modelId="{75C067D7-FCD2-4969-8F27-4BBDA88E75ED}" type="sibTrans" cxnId="{A058DDA2-48CA-4E5B-B389-F71A59C262B0}">
-      <dgm:prSet/>
-      <dgm:spPr/>
-      <dgm:t>
-        <a:bodyPr/>
-        <a:lstStyle/>
-        <a:p>
-          <a:endParaRPr lang="en-US"/>
-        </a:p>
-      </dgm:t>
-    </dgm:pt>
-    <dgm:pt modelId="{789CD6DB-3A68-4A41-90BD-4F0CBB3617D1}">
-      <dgm:prSet phldrT="[Text]"/>
-      <dgm:spPr/>
-      <dgm:t>
-        <a:bodyPr/>
-        <a:lstStyle/>
-        <a:p>
-          <a:r>
-            <a:rPr lang="en-US" dirty="0"/>
-            <a:t>Task 2</a:t>
-          </a:r>
-        </a:p>
-      </dgm:t>
-    </dgm:pt>
-    <dgm:pt modelId="{C0BEB5FF-8DFB-40B9-A228-C0C6097DDDC4}" type="parTrans" cxnId="{62C10234-45D3-426A-8820-4C0D1D8CBA21}">
-      <dgm:prSet/>
-      <dgm:spPr/>
-      <dgm:t>
-        <a:bodyPr/>
-        <a:lstStyle/>
-        <a:p>
-          <a:endParaRPr lang="en-US"/>
-        </a:p>
-      </dgm:t>
-    </dgm:pt>
-    <dgm:pt modelId="{1A702531-A59F-4EE2-8246-E2EB0955D8B1}" type="sibTrans" cxnId="{62C10234-45D3-426A-8820-4C0D1D8CBA21}">
-      <dgm:prSet/>
-      <dgm:spPr/>
-      <dgm:t>
-        <a:bodyPr/>
-        <a:lstStyle/>
-        <a:p>
-          <a:endParaRPr lang="en-US"/>
-        </a:p>
-      </dgm:t>
-    </dgm:pt>
-    <dgm:pt modelId="{3929B1E1-4BC4-4C73-ABE8-27CEF96A3652}">
-      <dgm:prSet phldrT="[Text]"/>
-      <dgm:spPr/>
-      <dgm:t>
-        <a:bodyPr/>
-        <a:lstStyle/>
-        <a:p>
-          <a:r>
-            <a:rPr lang="en-US" dirty="0"/>
-            <a:t>Group B</a:t>
-          </a:r>
-        </a:p>
-      </dgm:t>
-      <dgm:extLst>
-        <a:ext uri="{E40237B7-FDA0-4F09-8148-C483321AD2D9}">
-          <dgm14:cNvPr xmlns:dgm14="http://schemas.microsoft.com/office/drawing/2010/diagram" id="0" name="" title="Group B title"/>
-        </a:ext>
-      </dgm:extLst>
-    </dgm:pt>
-    <dgm:pt modelId="{F356CC76-9117-4B79-A270-BBBAFD3E9C79}" type="parTrans" cxnId="{1339090C-9A95-4C05-841C-FA3AF987601B}">
-      <dgm:prSet/>
-      <dgm:spPr/>
-      <dgm:t>
-        <a:bodyPr/>
-        <a:lstStyle/>
-        <a:p>
-          <a:endParaRPr lang="en-US"/>
-        </a:p>
-      </dgm:t>
-    </dgm:pt>
-    <dgm:pt modelId="{19BA0C22-38BB-4E9F-89D5-0FF5FF9F12CE}" type="sibTrans" cxnId="{1339090C-9A95-4C05-841C-FA3AF987601B}">
-      <dgm:prSet/>
-      <dgm:spPr/>
-      <dgm:t>
-        <a:bodyPr/>
-        <a:lstStyle/>
-        <a:p>
-          <a:endParaRPr lang="en-US"/>
-        </a:p>
-      </dgm:t>
-    </dgm:pt>
-    <dgm:pt modelId="{99E0600D-9954-43F4-8926-13B8777FAAA1}">
-      <dgm:prSet phldrT="[Text]"/>
-      <dgm:spPr/>
-      <dgm:t>
-        <a:bodyPr/>
-        <a:lstStyle/>
-        <a:p>
-          <a:r>
-            <a:rPr lang="en-US" dirty="0"/>
-            <a:t>Task 1</a:t>
-          </a:r>
-        </a:p>
-      </dgm:t>
-      <dgm:extLst>
-        <a:ext uri="{E40237B7-FDA0-4F09-8148-C483321AD2D9}">
-          <dgm14:cNvPr xmlns:dgm14="http://schemas.microsoft.com/office/drawing/2010/diagram" id="0" name="" title="Group B tasks"/>
-        </a:ext>
-      </dgm:extLst>
-    </dgm:pt>
-    <dgm:pt modelId="{BE23F476-2C5C-42ED-BF2B-CD5FC7ADDDF6}" type="parTrans" cxnId="{09FCCB9D-A30A-4326-970E-26252D39327F}">
-      <dgm:prSet/>
-      <dgm:spPr/>
-      <dgm:t>
-        <a:bodyPr/>
-        <a:lstStyle/>
-        <a:p>
-          <a:endParaRPr lang="en-US"/>
-        </a:p>
-      </dgm:t>
-    </dgm:pt>
-    <dgm:pt modelId="{C44937DC-4907-4769-AA8B-1B3E7391D7B0}" type="sibTrans" cxnId="{09FCCB9D-A30A-4326-970E-26252D39327F}">
-      <dgm:prSet/>
-      <dgm:spPr/>
-      <dgm:t>
-        <a:bodyPr/>
-        <a:lstStyle/>
-        <a:p>
-          <a:endParaRPr lang="en-US"/>
-        </a:p>
-      </dgm:t>
-    </dgm:pt>
-    <dgm:pt modelId="{0791135C-9DAB-47F6-BE9C-A3E56A2DDA50}">
-      <dgm:prSet phldrT="[Text]"/>
-      <dgm:spPr/>
-      <dgm:t>
-        <a:bodyPr/>
-        <a:lstStyle/>
-        <a:p>
-          <a:r>
-            <a:rPr lang="en-US" dirty="0"/>
-            <a:t>Task 2</a:t>
-          </a:r>
-        </a:p>
-      </dgm:t>
-    </dgm:pt>
-    <dgm:pt modelId="{D6057E63-9793-4991-97C1-30FC405E95A5}" type="parTrans" cxnId="{B3B26E9A-58E5-497B-BD59-F5567958C609}">
-      <dgm:prSet/>
-      <dgm:spPr/>
-      <dgm:t>
-        <a:bodyPr/>
-        <a:lstStyle/>
-        <a:p>
-          <a:endParaRPr lang="en-US"/>
-        </a:p>
-      </dgm:t>
-    </dgm:pt>
-    <dgm:pt modelId="{B670C2A7-83CB-4F4C-BC19-A3A7C066A822}" type="sibTrans" cxnId="{B3B26E9A-58E5-497B-BD59-F5567958C609}">
-      <dgm:prSet/>
-      <dgm:spPr/>
-      <dgm:t>
-        <a:bodyPr/>
-        <a:lstStyle/>
-        <a:p>
-          <a:endParaRPr lang="en-US"/>
-        </a:p>
-      </dgm:t>
-    </dgm:pt>
-    <dgm:pt modelId="{60CDF8D0-D4FC-4467-A51E-79C5A58B0B2C}">
-      <dgm:prSet phldrT="[Text]"/>
-      <dgm:spPr/>
-      <dgm:t>
-        <a:bodyPr/>
-        <a:lstStyle/>
-        <a:p>
-          <a:r>
-            <a:rPr lang="en-US" dirty="0"/>
-            <a:t>Group C</a:t>
-          </a:r>
-        </a:p>
-      </dgm:t>
-      <dgm:extLst>
-        <a:ext uri="{E40237B7-FDA0-4F09-8148-C483321AD2D9}">
-          <dgm14:cNvPr xmlns:dgm14="http://schemas.microsoft.com/office/drawing/2010/diagram" id="0" name="" title="Group C title"/>
-        </a:ext>
-      </dgm:extLst>
-    </dgm:pt>
-    <dgm:pt modelId="{E12A269F-AB82-486A-9077-80F2BBBE48C2}" type="parTrans" cxnId="{2BA65DEC-E719-4ED3-8135-48349D42DD04}">
-      <dgm:prSet/>
-      <dgm:spPr/>
-      <dgm:t>
-        <a:bodyPr/>
-        <a:lstStyle/>
-        <a:p>
-          <a:endParaRPr lang="en-US"/>
-        </a:p>
-      </dgm:t>
-    </dgm:pt>
-    <dgm:pt modelId="{3F7FD59D-A716-4310-A89A-AB6F740D9FFF}" type="sibTrans" cxnId="{2BA65DEC-E719-4ED3-8135-48349D42DD04}">
-      <dgm:prSet/>
-      <dgm:spPr/>
-      <dgm:t>
-        <a:bodyPr/>
-        <a:lstStyle/>
-        <a:p>
-          <a:endParaRPr lang="en-US"/>
-        </a:p>
-      </dgm:t>
-    </dgm:pt>
-    <dgm:pt modelId="{50629C12-7464-4473-ADEF-1A284F8A9957}">
-      <dgm:prSet phldrT="[Text]"/>
-      <dgm:spPr/>
-      <dgm:t>
-        <a:bodyPr/>
-        <a:lstStyle/>
-        <a:p>
-          <a:r>
-            <a:rPr lang="en-US" dirty="0"/>
-            <a:t>Task 1</a:t>
-          </a:r>
-        </a:p>
-      </dgm:t>
-      <dgm:extLst>
-        <a:ext uri="{E40237B7-FDA0-4F09-8148-C483321AD2D9}">
-          <dgm14:cNvPr xmlns:dgm14="http://schemas.microsoft.com/office/drawing/2010/diagram" id="0" name="" title="Group C tasks"/>
-        </a:ext>
-      </dgm:extLst>
-    </dgm:pt>
-    <dgm:pt modelId="{9D1CB46C-0CFA-4B27-9224-267431FBD094}" type="parTrans" cxnId="{1D32FCC9-657C-4348-9C0D-52115D559FEB}">
-      <dgm:prSet/>
-      <dgm:spPr/>
-      <dgm:t>
-        <a:bodyPr/>
-        <a:lstStyle/>
-        <a:p>
-          <a:endParaRPr lang="en-US"/>
-        </a:p>
-      </dgm:t>
-    </dgm:pt>
-    <dgm:pt modelId="{4576BCC5-0598-4332-A2E7-87AC3ADD4EB8}" type="sibTrans" cxnId="{1D32FCC9-657C-4348-9C0D-52115D559FEB}">
-      <dgm:prSet/>
-      <dgm:spPr/>
-      <dgm:t>
-        <a:bodyPr/>
-        <a:lstStyle/>
-        <a:p>
-          <a:endParaRPr lang="en-US"/>
-        </a:p>
-      </dgm:t>
-    </dgm:pt>
-    <dgm:pt modelId="{5E7E8819-F483-44DF-919F-6E95468C8963}">
-      <dgm:prSet phldrT="[Text]"/>
-      <dgm:spPr/>
-      <dgm:t>
-        <a:bodyPr/>
-        <a:lstStyle/>
-        <a:p>
-          <a:r>
-            <a:rPr lang="en-US" dirty="0"/>
-            <a:t>Task 2</a:t>
-          </a:r>
-        </a:p>
-      </dgm:t>
-      <dgm:extLst/>
-    </dgm:pt>
-    <dgm:pt modelId="{C9D6A9DA-302E-4548-885F-28DE53027054}" type="parTrans" cxnId="{4900DF99-B2B3-456B-AD0C-5CC7040B8204}">
-      <dgm:prSet/>
-      <dgm:spPr/>
-      <dgm:t>
-        <a:bodyPr/>
-        <a:lstStyle/>
-        <a:p>
-          <a:endParaRPr lang="en-US"/>
-        </a:p>
-      </dgm:t>
-    </dgm:pt>
-    <dgm:pt modelId="{88B013DA-0720-49D9-A5D2-47224518ADD0}" type="sibTrans" cxnId="{4900DF99-B2B3-456B-AD0C-5CC7040B8204}">
-      <dgm:prSet/>
-      <dgm:spPr/>
-      <dgm:t>
-        <a:bodyPr/>
-        <a:lstStyle/>
-        <a:p>
-          <a:endParaRPr lang="en-US"/>
-        </a:p>
-      </dgm:t>
-    </dgm:pt>
-    <dgm:pt modelId="{E6A445EE-D086-4B01-B491-D67950A5A065}" type="pres">
-      <dgm:prSet presAssocID="{3F442EA2-39BA-4C9A-AD59-755D4917D532}" presName="linear" presStyleCnt="0">
-        <dgm:presLayoutVars>
-          <dgm:dir/>
-          <dgm:animLvl val="lvl"/>
-          <dgm:resizeHandles val="exact"/>
-        </dgm:presLayoutVars>
-      </dgm:prSet>
-      <dgm:spPr/>
-    </dgm:pt>
-    <dgm:pt modelId="{6D3A9625-D3EB-4CA1-AB05-34452283708A}" type="pres">
-      <dgm:prSet presAssocID="{4DF9FE7B-F642-4898-A360-D4E3814E1A3D}" presName="parentLin" presStyleCnt="0"/>
-      <dgm:spPr/>
-    </dgm:pt>
-    <dgm:pt modelId="{7E290D25-335D-4339-A8E8-B036E46B5EB5}" type="pres">
-      <dgm:prSet presAssocID="{4DF9FE7B-F642-4898-A360-D4E3814E1A3D}" presName="parentLeftMargin" presStyleLbl="node1" presStyleIdx="0" presStyleCnt="3"/>
-      <dgm:spPr/>
-    </dgm:pt>
-    <dgm:pt modelId="{674922F1-7266-4681-AD4F-1C618A5FFF23}" type="pres">
-      <dgm:prSet presAssocID="{4DF9FE7B-F642-4898-A360-D4E3814E1A3D}" presName="parentText" presStyleLbl="node1" presStyleIdx="0" presStyleCnt="3">
-        <dgm:presLayoutVars>
-          <dgm:chMax val="0"/>
-          <dgm:bulletEnabled val="1"/>
-        </dgm:presLayoutVars>
-      </dgm:prSet>
-      <dgm:spPr/>
-    </dgm:pt>
-    <dgm:pt modelId="{96C29850-0672-4B77-B5DE-2E1563038631}" type="pres">
-      <dgm:prSet presAssocID="{4DF9FE7B-F642-4898-A360-D4E3814E1A3D}" presName="negativeSpace" presStyleCnt="0"/>
-      <dgm:spPr/>
-    </dgm:pt>
-    <dgm:pt modelId="{80259B02-529C-422B-91BE-D70198BA9F6C}" type="pres">
-      <dgm:prSet presAssocID="{4DF9FE7B-F642-4898-A360-D4E3814E1A3D}" presName="childText" presStyleLbl="conFgAcc1" presStyleIdx="0" presStyleCnt="3">
-        <dgm:presLayoutVars>
-          <dgm:bulletEnabled val="1"/>
-        </dgm:presLayoutVars>
-      </dgm:prSet>
-      <dgm:spPr/>
-    </dgm:pt>
-    <dgm:pt modelId="{E53EFB4E-D3DB-42E1-82AC-148F7D29254F}" type="pres">
-      <dgm:prSet presAssocID="{43C18EFF-81FC-4D70-8C6B-E95FF3730413}" presName="spaceBetweenRectangles" presStyleCnt="0"/>
-      <dgm:spPr/>
-    </dgm:pt>
-    <dgm:pt modelId="{07AC1C38-F728-4390-9C76-57A49ED97DBB}" type="pres">
-      <dgm:prSet presAssocID="{3929B1E1-4BC4-4C73-ABE8-27CEF96A3652}" presName="parentLin" presStyleCnt="0"/>
-      <dgm:spPr/>
-    </dgm:pt>
-    <dgm:pt modelId="{D0037F0D-DB9A-4BA4-97B4-D939B26E14DA}" type="pres">
-      <dgm:prSet presAssocID="{3929B1E1-4BC4-4C73-ABE8-27CEF96A3652}" presName="parentLeftMargin" presStyleLbl="node1" presStyleIdx="0" presStyleCnt="3"/>
-      <dgm:spPr/>
-    </dgm:pt>
-    <dgm:pt modelId="{21EEBBE2-729F-4D85-8CAE-C2B30FF126D2}" type="pres">
-      <dgm:prSet presAssocID="{3929B1E1-4BC4-4C73-ABE8-27CEF96A3652}" presName="parentText" presStyleLbl="node1" presStyleIdx="1" presStyleCnt="3">
-        <dgm:presLayoutVars>
-          <dgm:chMax val="0"/>
-          <dgm:bulletEnabled val="1"/>
-        </dgm:presLayoutVars>
-      </dgm:prSet>
-      <dgm:spPr/>
-    </dgm:pt>
-    <dgm:pt modelId="{AACB3FAF-C320-430D-84D4-71BA6D1761D1}" type="pres">
-      <dgm:prSet presAssocID="{3929B1E1-4BC4-4C73-ABE8-27CEF96A3652}" presName="negativeSpace" presStyleCnt="0"/>
-      <dgm:spPr/>
-    </dgm:pt>
-    <dgm:pt modelId="{5282638F-EFF2-4770-BB1A-21455422E45D}" type="pres">
-      <dgm:prSet presAssocID="{3929B1E1-4BC4-4C73-ABE8-27CEF96A3652}" presName="childText" presStyleLbl="conFgAcc1" presStyleIdx="1" presStyleCnt="3">
-        <dgm:presLayoutVars>
-          <dgm:bulletEnabled val="1"/>
-        </dgm:presLayoutVars>
-      </dgm:prSet>
-      <dgm:spPr/>
-    </dgm:pt>
-    <dgm:pt modelId="{8CE827AA-77D8-4146-A665-00110A17769E}" type="pres">
-      <dgm:prSet presAssocID="{19BA0C22-38BB-4E9F-89D5-0FF5FF9F12CE}" presName="spaceBetweenRectangles" presStyleCnt="0"/>
-      <dgm:spPr/>
-    </dgm:pt>
-    <dgm:pt modelId="{34C9EE47-81AF-461E-8292-AB107AA0D367}" type="pres">
-      <dgm:prSet presAssocID="{60CDF8D0-D4FC-4467-A51E-79C5A58B0B2C}" presName="parentLin" presStyleCnt="0"/>
-      <dgm:spPr/>
-    </dgm:pt>
-    <dgm:pt modelId="{864CB39B-29F9-473D-90E5-0686D86E278F}" type="pres">
-      <dgm:prSet presAssocID="{60CDF8D0-D4FC-4467-A51E-79C5A58B0B2C}" presName="parentLeftMargin" presStyleLbl="node1" presStyleIdx="1" presStyleCnt="3"/>
-      <dgm:spPr/>
-    </dgm:pt>
-    <dgm:pt modelId="{5B203A22-00AF-46E7-9415-C6DAFD7E01CC}" type="pres">
-      <dgm:prSet presAssocID="{60CDF8D0-D4FC-4467-A51E-79C5A58B0B2C}" presName="parentText" presStyleLbl="node1" presStyleIdx="2" presStyleCnt="3">
-        <dgm:presLayoutVars>
-          <dgm:chMax val="0"/>
-          <dgm:bulletEnabled val="1"/>
-        </dgm:presLayoutVars>
-      </dgm:prSet>
-      <dgm:spPr/>
-    </dgm:pt>
-    <dgm:pt modelId="{DF9C1F84-81DE-4E5D-9537-C2D1A211B8B6}" type="pres">
-      <dgm:prSet presAssocID="{60CDF8D0-D4FC-4467-A51E-79C5A58B0B2C}" presName="negativeSpace" presStyleCnt="0"/>
-      <dgm:spPr/>
-    </dgm:pt>
-    <dgm:pt modelId="{964E6811-5072-4466-B721-689C35A65029}" type="pres">
-      <dgm:prSet presAssocID="{60CDF8D0-D4FC-4467-A51E-79C5A58B0B2C}" presName="childText" presStyleLbl="conFgAcc1" presStyleIdx="2" presStyleCnt="3">
-        <dgm:presLayoutVars>
-          <dgm:bulletEnabled val="1"/>
-        </dgm:presLayoutVars>
-      </dgm:prSet>
-      <dgm:spPr/>
-    </dgm:pt>
-  </dgm:ptLst>
-  <dgm:cxnLst>
-    <dgm:cxn modelId="{1339090C-9A95-4C05-841C-FA3AF987601B}" srcId="{3F442EA2-39BA-4C9A-AD59-755D4917D532}" destId="{3929B1E1-4BC4-4C73-ABE8-27CEF96A3652}" srcOrd="1" destOrd="0" parTransId="{F356CC76-9117-4B79-A270-BBBAFD3E9C79}" sibTransId="{19BA0C22-38BB-4E9F-89D5-0FF5FF9F12CE}"/>
-    <dgm:cxn modelId="{459EDE1B-83A7-4B6B-B912-F01D5F962186}" type="presOf" srcId="{5E7E8819-F483-44DF-919F-6E95468C8963}" destId="{964E6811-5072-4466-B721-689C35A65029}" srcOrd="0" destOrd="1" presId="urn:microsoft.com/office/officeart/2005/8/layout/list1"/>
-    <dgm:cxn modelId="{6108362B-9689-4D0E-8844-2D493AD2CE1C}" type="presOf" srcId="{60CDF8D0-D4FC-4467-A51E-79C5A58B0B2C}" destId="{5B203A22-00AF-46E7-9415-C6DAFD7E01CC}" srcOrd="1" destOrd="0" presId="urn:microsoft.com/office/officeart/2005/8/layout/list1"/>
-    <dgm:cxn modelId="{FE14672D-88A2-4DAE-AC76-CAB968FE519F}" type="presOf" srcId="{3929B1E1-4BC4-4C73-ABE8-27CEF96A3652}" destId="{21EEBBE2-729F-4D85-8CAE-C2B30FF126D2}" srcOrd="1" destOrd="0" presId="urn:microsoft.com/office/officeart/2005/8/layout/list1"/>
-    <dgm:cxn modelId="{62C10234-45D3-426A-8820-4C0D1D8CBA21}" srcId="{4DF9FE7B-F642-4898-A360-D4E3814E1A3D}" destId="{789CD6DB-3A68-4A41-90BD-4F0CBB3617D1}" srcOrd="1" destOrd="0" parTransId="{C0BEB5FF-8DFB-40B9-A228-C0C6097DDDC4}" sibTransId="{1A702531-A59F-4EE2-8246-E2EB0955D8B1}"/>
-    <dgm:cxn modelId="{10498C3A-7068-4ABA-A4D0-3524C0D50310}" type="presOf" srcId="{789CD6DB-3A68-4A41-90BD-4F0CBB3617D1}" destId="{80259B02-529C-422B-91BE-D70198BA9F6C}" srcOrd="0" destOrd="1" presId="urn:microsoft.com/office/officeart/2005/8/layout/list1"/>
-    <dgm:cxn modelId="{3F0C293E-2E7E-4665-8D44-581D552DF9A1}" type="presOf" srcId="{99E0600D-9954-43F4-8926-13B8777FAAA1}" destId="{5282638F-EFF2-4770-BB1A-21455422E45D}" srcOrd="0" destOrd="0" presId="urn:microsoft.com/office/officeart/2005/8/layout/list1"/>
-    <dgm:cxn modelId="{2A11C66B-2222-40EF-8E11-88B88D0D3D24}" type="presOf" srcId="{4DF9FE7B-F642-4898-A360-D4E3814E1A3D}" destId="{674922F1-7266-4681-AD4F-1C618A5FFF23}" srcOrd="1" destOrd="0" presId="urn:microsoft.com/office/officeart/2005/8/layout/list1"/>
-    <dgm:cxn modelId="{80F58D57-B962-4C9D-B013-5548ADF87448}" type="presOf" srcId="{50629C12-7464-4473-ADEF-1A284F8A9957}" destId="{964E6811-5072-4466-B721-689C35A65029}" srcOrd="0" destOrd="0" presId="urn:microsoft.com/office/officeart/2005/8/layout/list1"/>
-    <dgm:cxn modelId="{B1527982-10E5-4CE7-9744-094C706192AF}" type="presOf" srcId="{0791135C-9DAB-47F6-BE9C-A3E56A2DDA50}" destId="{5282638F-EFF2-4770-BB1A-21455422E45D}" srcOrd="0" destOrd="1" presId="urn:microsoft.com/office/officeart/2005/8/layout/list1"/>
-    <dgm:cxn modelId="{EBD8BE8D-6018-43E2-B081-034BB5656EB6}" srcId="{3F442EA2-39BA-4C9A-AD59-755D4917D532}" destId="{4DF9FE7B-F642-4898-A360-D4E3814E1A3D}" srcOrd="0" destOrd="0" parTransId="{1C10F06D-860A-4604-A7AD-02E614FE3976}" sibTransId="{43C18EFF-81FC-4D70-8C6B-E95FF3730413}"/>
-    <dgm:cxn modelId="{3EBFF094-02A9-4D87-B328-CDC32C77ABA8}" type="presOf" srcId="{3929B1E1-4BC4-4C73-ABE8-27CEF96A3652}" destId="{D0037F0D-DB9A-4BA4-97B4-D939B26E14DA}" srcOrd="0" destOrd="0" presId="urn:microsoft.com/office/officeart/2005/8/layout/list1"/>
-    <dgm:cxn modelId="{2416B399-0486-41EC-9CA5-0704E3CCA3BD}" type="presOf" srcId="{4DF9FE7B-F642-4898-A360-D4E3814E1A3D}" destId="{7E290D25-335D-4339-A8E8-B036E46B5EB5}" srcOrd="0" destOrd="0" presId="urn:microsoft.com/office/officeart/2005/8/layout/list1"/>
-    <dgm:cxn modelId="{4900DF99-B2B3-456B-AD0C-5CC7040B8204}" srcId="{60CDF8D0-D4FC-4467-A51E-79C5A58B0B2C}" destId="{5E7E8819-F483-44DF-919F-6E95468C8963}" srcOrd="1" destOrd="0" parTransId="{C9D6A9DA-302E-4548-885F-28DE53027054}" sibTransId="{88B013DA-0720-49D9-A5D2-47224518ADD0}"/>
-    <dgm:cxn modelId="{B3B26E9A-58E5-497B-BD59-F5567958C609}" srcId="{3929B1E1-4BC4-4C73-ABE8-27CEF96A3652}" destId="{0791135C-9DAB-47F6-BE9C-A3E56A2DDA50}" srcOrd="1" destOrd="0" parTransId="{D6057E63-9793-4991-97C1-30FC405E95A5}" sibTransId="{B670C2A7-83CB-4F4C-BC19-A3A7C066A822}"/>
-    <dgm:cxn modelId="{09FCCB9D-A30A-4326-970E-26252D39327F}" srcId="{3929B1E1-4BC4-4C73-ABE8-27CEF96A3652}" destId="{99E0600D-9954-43F4-8926-13B8777FAAA1}" srcOrd="0" destOrd="0" parTransId="{BE23F476-2C5C-42ED-BF2B-CD5FC7ADDDF6}" sibTransId="{C44937DC-4907-4769-AA8B-1B3E7391D7B0}"/>
-    <dgm:cxn modelId="{A058DDA2-48CA-4E5B-B389-F71A59C262B0}" srcId="{4DF9FE7B-F642-4898-A360-D4E3814E1A3D}" destId="{EFF2750D-B4B3-474C-8B62-8B638DC31F7E}" srcOrd="0" destOrd="0" parTransId="{AEBC78E6-CDDC-4C8F-A157-3C51E907FACD}" sibTransId="{75C067D7-FCD2-4969-8F27-4BBDA88E75ED}"/>
-    <dgm:cxn modelId="{339A87A3-3EC4-4744-B773-ADAA643DE229}" type="presOf" srcId="{EFF2750D-B4B3-474C-8B62-8B638DC31F7E}" destId="{80259B02-529C-422B-91BE-D70198BA9F6C}" srcOrd="0" destOrd="0" presId="urn:microsoft.com/office/officeart/2005/8/layout/list1"/>
-    <dgm:cxn modelId="{1D32FCC9-657C-4348-9C0D-52115D559FEB}" srcId="{60CDF8D0-D4FC-4467-A51E-79C5A58B0B2C}" destId="{50629C12-7464-4473-ADEF-1A284F8A9957}" srcOrd="0" destOrd="0" parTransId="{9D1CB46C-0CFA-4B27-9224-267431FBD094}" sibTransId="{4576BCC5-0598-4332-A2E7-87AC3ADD4EB8}"/>
-    <dgm:cxn modelId="{2BF18ED1-39D2-485A-8964-4E3198F8F4F0}" type="presOf" srcId="{60CDF8D0-D4FC-4467-A51E-79C5A58B0B2C}" destId="{864CB39B-29F9-473D-90E5-0686D86E278F}" srcOrd="0" destOrd="0" presId="urn:microsoft.com/office/officeart/2005/8/layout/list1"/>
-    <dgm:cxn modelId="{F00D43D3-2EBF-439E-A0F5-E3EE90A22AD7}" type="presOf" srcId="{3F442EA2-39BA-4C9A-AD59-755D4917D532}" destId="{E6A445EE-D086-4B01-B491-D67950A5A065}" srcOrd="0" destOrd="0" presId="urn:microsoft.com/office/officeart/2005/8/layout/list1"/>
-    <dgm:cxn modelId="{2BA65DEC-E719-4ED3-8135-48349D42DD04}" srcId="{3F442EA2-39BA-4C9A-AD59-755D4917D532}" destId="{60CDF8D0-D4FC-4467-A51E-79C5A58B0B2C}" srcOrd="2" destOrd="0" parTransId="{E12A269F-AB82-486A-9077-80F2BBBE48C2}" sibTransId="{3F7FD59D-A716-4310-A89A-AB6F740D9FFF}"/>
-    <dgm:cxn modelId="{41C27657-66EF-4C3B-8E9C-7B2E84A2DD1A}" type="presParOf" srcId="{E6A445EE-D086-4B01-B491-D67950A5A065}" destId="{6D3A9625-D3EB-4CA1-AB05-34452283708A}" srcOrd="0" destOrd="0" presId="urn:microsoft.com/office/officeart/2005/8/layout/list1"/>
-    <dgm:cxn modelId="{0F3AA7EF-4CA3-4B58-8428-01B782E35A1B}" type="presParOf" srcId="{6D3A9625-D3EB-4CA1-AB05-34452283708A}" destId="{7E290D25-335D-4339-A8E8-B036E46B5EB5}" srcOrd="0" destOrd="0" presId="urn:microsoft.com/office/officeart/2005/8/layout/list1"/>
-    <dgm:cxn modelId="{05E32DD5-D6B4-46E8-9A33-1E9C9AB9A269}" type="presParOf" srcId="{6D3A9625-D3EB-4CA1-AB05-34452283708A}" destId="{674922F1-7266-4681-AD4F-1C618A5FFF23}" srcOrd="1" destOrd="0" presId="urn:microsoft.com/office/officeart/2005/8/layout/list1"/>
-    <dgm:cxn modelId="{9FEECAB6-0BBC-4A1B-84D0-174D9A555E14}" type="presParOf" srcId="{E6A445EE-D086-4B01-B491-D67950A5A065}" destId="{96C29850-0672-4B77-B5DE-2E1563038631}" srcOrd="1" destOrd="0" presId="urn:microsoft.com/office/officeart/2005/8/layout/list1"/>
-    <dgm:cxn modelId="{A528E9B1-D521-4863-A216-D0A9CE821899}" type="presParOf" srcId="{E6A445EE-D086-4B01-B491-D67950A5A065}" destId="{80259B02-529C-422B-91BE-D70198BA9F6C}" srcOrd="2" destOrd="0" presId="urn:microsoft.com/office/officeart/2005/8/layout/list1"/>
-    <dgm:cxn modelId="{CE2638FC-EFD3-4028-A5EC-A13F39B23B6E}" type="presParOf" srcId="{E6A445EE-D086-4B01-B491-D67950A5A065}" destId="{E53EFB4E-D3DB-42E1-82AC-148F7D29254F}" srcOrd="3" destOrd="0" presId="urn:microsoft.com/office/officeart/2005/8/layout/list1"/>
-    <dgm:cxn modelId="{58882DC7-B418-4C0E-9C40-979E7405894F}" type="presParOf" srcId="{E6A445EE-D086-4B01-B491-D67950A5A065}" destId="{07AC1C38-F728-4390-9C76-57A49ED97DBB}" srcOrd="4" destOrd="0" presId="urn:microsoft.com/office/officeart/2005/8/layout/list1"/>
-    <dgm:cxn modelId="{528A3CEB-C3AF-4445-93C9-8F3EC3713DF8}" type="presParOf" srcId="{07AC1C38-F728-4390-9C76-57A49ED97DBB}" destId="{D0037F0D-DB9A-4BA4-97B4-D939B26E14DA}" srcOrd="0" destOrd="0" presId="urn:microsoft.com/office/officeart/2005/8/layout/list1"/>
-    <dgm:cxn modelId="{317D8306-6691-456A-A4FA-B393419286AC}" type="presParOf" srcId="{07AC1C38-F728-4390-9C76-57A49ED97DBB}" destId="{21EEBBE2-729F-4D85-8CAE-C2B30FF126D2}" srcOrd="1" destOrd="0" presId="urn:microsoft.com/office/officeart/2005/8/layout/list1"/>
-    <dgm:cxn modelId="{98F94C20-C0D6-4186-A146-0D6C76241D1A}" type="presParOf" srcId="{E6A445EE-D086-4B01-B491-D67950A5A065}" destId="{AACB3FAF-C320-430D-84D4-71BA6D1761D1}" srcOrd="5" destOrd="0" presId="urn:microsoft.com/office/officeart/2005/8/layout/list1"/>
-    <dgm:cxn modelId="{8B450F68-CFDE-4380-83DE-EA773429B7D2}" type="presParOf" srcId="{E6A445EE-D086-4B01-B491-D67950A5A065}" destId="{5282638F-EFF2-4770-BB1A-21455422E45D}" srcOrd="6" destOrd="0" presId="urn:microsoft.com/office/officeart/2005/8/layout/list1"/>
-    <dgm:cxn modelId="{24CD9B09-6AA3-467D-8DA2-E5AAA2F789B5}" type="presParOf" srcId="{E6A445EE-D086-4B01-B491-D67950A5A065}" destId="{8CE827AA-77D8-4146-A665-00110A17769E}" srcOrd="7" destOrd="0" presId="urn:microsoft.com/office/officeart/2005/8/layout/list1"/>
-    <dgm:cxn modelId="{FB163640-AD94-407A-B6EC-BB4E91BC1292}" type="presParOf" srcId="{E6A445EE-D086-4B01-B491-D67950A5A065}" destId="{34C9EE47-81AF-461E-8292-AB107AA0D367}" srcOrd="8" destOrd="0" presId="urn:microsoft.com/office/officeart/2005/8/layout/list1"/>
-    <dgm:cxn modelId="{7327C346-CF30-43FF-B64D-2B052E21A33F}" type="presParOf" srcId="{34C9EE47-81AF-461E-8292-AB107AA0D367}" destId="{864CB39B-29F9-473D-90E5-0686D86E278F}" srcOrd="0" destOrd="0" presId="urn:microsoft.com/office/officeart/2005/8/layout/list1"/>
-    <dgm:cxn modelId="{5161FA7C-C318-45F1-B871-A12BF4CBF838}" type="presParOf" srcId="{34C9EE47-81AF-461E-8292-AB107AA0D367}" destId="{5B203A22-00AF-46E7-9415-C6DAFD7E01CC}" srcOrd="1" destOrd="0" presId="urn:microsoft.com/office/officeart/2005/8/layout/list1"/>
-    <dgm:cxn modelId="{93F8116E-4D1E-4684-915C-9483B1C46DD2}" type="presParOf" srcId="{E6A445EE-D086-4B01-B491-D67950A5A065}" destId="{DF9C1F84-81DE-4E5D-9537-C2D1A211B8B6}" srcOrd="9" destOrd="0" presId="urn:microsoft.com/office/officeart/2005/8/layout/list1"/>
-    <dgm:cxn modelId="{51FDB8CA-627A-47A4-B82B-3746593054A5}" type="presParOf" srcId="{E6A445EE-D086-4B01-B491-D67950A5A065}" destId="{964E6811-5072-4466-B721-689C35A65029}" srcOrd="10" destOrd="0" presId="urn:microsoft.com/office/officeart/2005/8/layout/list1"/>
-  </dgm:cxnLst>
-  <dgm:bg/>
-  <dgm:whole/>
-  <dgm:extLst>
-    <a:ext uri="http://schemas.microsoft.com/office/drawing/2008/diagram">
-      <dsp:dataModelExt xmlns:dsp="http://schemas.microsoft.com/office/drawing/2008/diagram" relId="rId6" minVer="http://schemas.openxmlformats.org/drawingml/2006/diagram"/>
-    </a:ext>
-  </dgm:extLst>
-</dgm:dataModel>
-</file>
-
-<file path=ppt/diagrams/drawing1.xml><?xml version="1.0" encoding="utf-8"?>
-<dsp:drawing xmlns:dgm="http://schemas.openxmlformats.org/drawingml/2006/diagram" xmlns:dsp="http://schemas.microsoft.com/office/drawing/2008/diagram" xmlns:a="http://schemas.openxmlformats.org/drawingml/2006/main">
-  <dsp:spTree>
-    <dsp:nvGrpSpPr>
-      <dsp:cNvPr id="0" name=""/>
-      <dsp:cNvGrpSpPr/>
-    </dsp:nvGrpSpPr>
-    <dsp:grpSpPr/>
-    <dsp:sp modelId="{80259B02-529C-422B-91BE-D70198BA9F6C}">
-      <dsp:nvSpPr>
-        <dsp:cNvPr id="0" name=""/>
-        <dsp:cNvSpPr/>
-      </dsp:nvSpPr>
-      <dsp:spPr>
-        <a:xfrm>
-          <a:off x="0" y="296459"/>
-          <a:ext cx="4978400" cy="1020600"/>
-        </a:xfrm>
-        <a:prstGeom prst="rect">
-          <a:avLst/>
-        </a:prstGeom>
-        <a:solidFill>
-          <a:schemeClr val="lt1">
-            <a:alpha val="90000"/>
-            <a:hueOff val="0"/>
-            <a:satOff val="0"/>
-            <a:lumOff val="0"/>
-            <a:alphaOff val="0"/>
-          </a:schemeClr>
-        </a:solidFill>
-        <a:ln w="12700" cap="flat" cmpd="sng" algn="ctr">
-          <a:solidFill>
-            <a:schemeClr val="accent2">
-              <a:hueOff val="0"/>
-              <a:satOff val="0"/>
-              <a:lumOff val="0"/>
-              <a:alphaOff val="0"/>
-            </a:schemeClr>
-          </a:solidFill>
-          <a:prstDash val="solid"/>
-          <a:miter lim="800000"/>
-        </a:ln>
-        <a:effectLst/>
-      </dsp:spPr>
-      <dsp:style>
-        <a:lnRef idx="2">
-          <a:scrgbClr r="0" g="0" b="0"/>
-        </a:lnRef>
-        <a:fillRef idx="1">
-          <a:scrgbClr r="0" g="0" b="0"/>
-        </a:fillRef>
-        <a:effectRef idx="0">
-          <a:scrgbClr r="0" g="0" b="0"/>
-        </a:effectRef>
-        <a:fontRef idx="minor"/>
-      </dsp:style>
-      <dsp:txBody>
-        <a:bodyPr spcFirstLastPara="0" vert="horz" wrap="square" lIns="386379" tIns="374904" rIns="386379" bIns="128016" numCol="1" spcCol="1270" anchor="t" anchorCtr="0">
-          <a:noAutofit/>
-        </a:bodyPr>
-        <a:lstStyle/>
-        <a:p>
-          <a:pPr marL="171450" lvl="1" indent="-171450" algn="l" defTabSz="800100">
-            <a:lnSpc>
-              <a:spcPct val="90000"/>
-            </a:lnSpc>
-            <a:spcBef>
-              <a:spcPct val="0"/>
-            </a:spcBef>
-            <a:spcAft>
-              <a:spcPct val="15000"/>
-            </a:spcAft>
-            <a:buChar char="•"/>
-          </a:pPr>
-          <a:r>
-            <a:rPr lang="en-US" sz="1800" kern="1200" dirty="0"/>
-            <a:t>Task 1</a:t>
-          </a:r>
-        </a:p>
-        <a:p>
-          <a:pPr marL="171450" lvl="1" indent="-171450" algn="l" defTabSz="800100">
-            <a:lnSpc>
-              <a:spcPct val="90000"/>
-            </a:lnSpc>
-            <a:spcBef>
-              <a:spcPct val="0"/>
-            </a:spcBef>
-            <a:spcAft>
-              <a:spcPct val="15000"/>
-            </a:spcAft>
-            <a:buChar char="•"/>
-          </a:pPr>
-          <a:r>
-            <a:rPr lang="en-US" sz="1800" kern="1200" dirty="0"/>
-            <a:t>Task 2</a:t>
-          </a:r>
-        </a:p>
-      </dsp:txBody>
-      <dsp:txXfrm>
-        <a:off x="0" y="296459"/>
-        <a:ext cx="4978400" cy="1020600"/>
-      </dsp:txXfrm>
-    </dsp:sp>
-    <dsp:sp modelId="{674922F1-7266-4681-AD4F-1C618A5FFF23}">
-      <dsp:nvSpPr>
-        <dsp:cNvPr id="0" name=""/>
-        <dsp:cNvSpPr/>
-      </dsp:nvSpPr>
-      <dsp:spPr>
-        <a:xfrm>
-          <a:off x="248920" y="30779"/>
-          <a:ext cx="3484880" cy="531360"/>
-        </a:xfrm>
-        <a:prstGeom prst="roundRect">
-          <a:avLst/>
-        </a:prstGeom>
-        <a:solidFill>
-          <a:schemeClr val="accent2">
-            <a:hueOff val="0"/>
-            <a:satOff val="0"/>
-            <a:lumOff val="0"/>
-            <a:alphaOff val="0"/>
-          </a:schemeClr>
-        </a:solidFill>
-        <a:ln w="12700" cap="flat" cmpd="sng" algn="ctr">
-          <a:solidFill>
-            <a:schemeClr val="lt1">
-              <a:hueOff val="0"/>
-              <a:satOff val="0"/>
-              <a:lumOff val="0"/>
-              <a:alphaOff val="0"/>
-            </a:schemeClr>
-          </a:solidFill>
-          <a:prstDash val="solid"/>
-          <a:miter lim="800000"/>
-        </a:ln>
-        <a:effectLst/>
-      </dsp:spPr>
-      <dsp:style>
-        <a:lnRef idx="2">
-          <a:scrgbClr r="0" g="0" b="0"/>
-        </a:lnRef>
-        <a:fillRef idx="1">
-          <a:scrgbClr r="0" g="0" b="0"/>
-        </a:fillRef>
-        <a:effectRef idx="0">
-          <a:scrgbClr r="0" g="0" b="0"/>
-        </a:effectRef>
-        <a:fontRef idx="minor">
-          <a:schemeClr val="lt1"/>
-        </a:fontRef>
-      </dsp:style>
-      <dsp:txBody>
-        <a:bodyPr spcFirstLastPara="0" vert="horz" wrap="square" lIns="131720" tIns="0" rIns="131720" bIns="0" numCol="1" spcCol="1270" anchor="ctr" anchorCtr="0">
-          <a:noAutofit/>
-        </a:bodyPr>
-        <a:lstStyle/>
-        <a:p>
-          <a:pPr marL="0" lvl="0" indent="0" algn="l" defTabSz="800100">
-            <a:lnSpc>
-              <a:spcPct val="90000"/>
-            </a:lnSpc>
-            <a:spcBef>
-              <a:spcPct val="0"/>
-            </a:spcBef>
-            <a:spcAft>
-              <a:spcPct val="35000"/>
-            </a:spcAft>
-            <a:buNone/>
-          </a:pPr>
-          <a:r>
-            <a:rPr lang="en-US" sz="1800" kern="1200" dirty="0"/>
-            <a:t>Group A</a:t>
-          </a:r>
-        </a:p>
-      </dsp:txBody>
-      <dsp:txXfrm>
-        <a:off x="274859" y="56718"/>
-        <a:ext cx="3433002" cy="479482"/>
-      </dsp:txXfrm>
-    </dsp:sp>
-    <dsp:sp modelId="{5282638F-EFF2-4770-BB1A-21455422E45D}">
-      <dsp:nvSpPr>
-        <dsp:cNvPr id="0" name=""/>
-        <dsp:cNvSpPr/>
-      </dsp:nvSpPr>
-      <dsp:spPr>
-        <a:xfrm>
-          <a:off x="0" y="1679939"/>
-          <a:ext cx="4978400" cy="1020600"/>
-        </a:xfrm>
-        <a:prstGeom prst="rect">
-          <a:avLst/>
-        </a:prstGeom>
-        <a:solidFill>
-          <a:schemeClr val="lt1">
-            <a:alpha val="90000"/>
-            <a:hueOff val="0"/>
-            <a:satOff val="0"/>
-            <a:lumOff val="0"/>
-            <a:alphaOff val="0"/>
-          </a:schemeClr>
-        </a:solidFill>
-        <a:ln w="12700" cap="flat" cmpd="sng" algn="ctr">
-          <a:solidFill>
-            <a:schemeClr val="accent2">
-              <a:hueOff val="-727682"/>
-              <a:satOff val="-41964"/>
-              <a:lumOff val="4314"/>
-              <a:alphaOff val="0"/>
-            </a:schemeClr>
-          </a:solidFill>
-          <a:prstDash val="solid"/>
-          <a:miter lim="800000"/>
-        </a:ln>
-        <a:effectLst/>
-      </dsp:spPr>
-      <dsp:style>
-        <a:lnRef idx="2">
-          <a:scrgbClr r="0" g="0" b="0"/>
-        </a:lnRef>
-        <a:fillRef idx="1">
-          <a:scrgbClr r="0" g="0" b="0"/>
-        </a:fillRef>
-        <a:effectRef idx="0">
-          <a:scrgbClr r="0" g="0" b="0"/>
-        </a:effectRef>
-        <a:fontRef idx="minor"/>
-      </dsp:style>
-      <dsp:txBody>
-        <a:bodyPr spcFirstLastPara="0" vert="horz" wrap="square" lIns="386379" tIns="374904" rIns="386379" bIns="128016" numCol="1" spcCol="1270" anchor="t" anchorCtr="0">
-          <a:noAutofit/>
-        </a:bodyPr>
-        <a:lstStyle/>
-        <a:p>
-          <a:pPr marL="171450" lvl="1" indent="-171450" algn="l" defTabSz="800100">
-            <a:lnSpc>
-              <a:spcPct val="90000"/>
-            </a:lnSpc>
-            <a:spcBef>
-              <a:spcPct val="0"/>
-            </a:spcBef>
-            <a:spcAft>
-              <a:spcPct val="15000"/>
-            </a:spcAft>
-            <a:buChar char="•"/>
-          </a:pPr>
-          <a:r>
-            <a:rPr lang="en-US" sz="1800" kern="1200" dirty="0"/>
-            <a:t>Task 1</a:t>
-          </a:r>
-        </a:p>
-        <a:p>
-          <a:pPr marL="171450" lvl="1" indent="-171450" algn="l" defTabSz="800100">
-            <a:lnSpc>
-              <a:spcPct val="90000"/>
-            </a:lnSpc>
-            <a:spcBef>
-              <a:spcPct val="0"/>
-            </a:spcBef>
-            <a:spcAft>
-              <a:spcPct val="15000"/>
-            </a:spcAft>
-            <a:buChar char="•"/>
-          </a:pPr>
-          <a:r>
-            <a:rPr lang="en-US" sz="1800" kern="1200" dirty="0"/>
-            <a:t>Task 2</a:t>
-          </a:r>
-        </a:p>
-      </dsp:txBody>
-      <dsp:txXfrm>
-        <a:off x="0" y="1679939"/>
-        <a:ext cx="4978400" cy="1020600"/>
-      </dsp:txXfrm>
-    </dsp:sp>
-    <dsp:sp modelId="{21EEBBE2-729F-4D85-8CAE-C2B30FF126D2}">
-      <dsp:nvSpPr>
-        <dsp:cNvPr id="0" name=""/>
-        <dsp:cNvSpPr/>
-      </dsp:nvSpPr>
-      <dsp:spPr>
-        <a:xfrm>
-          <a:off x="248920" y="1414259"/>
-          <a:ext cx="3484880" cy="531360"/>
-        </a:xfrm>
-        <a:prstGeom prst="roundRect">
-          <a:avLst/>
-        </a:prstGeom>
-        <a:solidFill>
-          <a:schemeClr val="accent2">
-            <a:hueOff val="-727682"/>
-            <a:satOff val="-41964"/>
-            <a:lumOff val="4314"/>
-            <a:alphaOff val="0"/>
-          </a:schemeClr>
-        </a:solidFill>
-        <a:ln w="12700" cap="flat" cmpd="sng" algn="ctr">
-          <a:solidFill>
-            <a:schemeClr val="lt1">
-              <a:hueOff val="0"/>
-              <a:satOff val="0"/>
-              <a:lumOff val="0"/>
-              <a:alphaOff val="0"/>
-            </a:schemeClr>
-          </a:solidFill>
-          <a:prstDash val="solid"/>
-          <a:miter lim="800000"/>
-        </a:ln>
-        <a:effectLst/>
-      </dsp:spPr>
-      <dsp:style>
-        <a:lnRef idx="2">
-          <a:scrgbClr r="0" g="0" b="0"/>
-        </a:lnRef>
-        <a:fillRef idx="1">
-          <a:scrgbClr r="0" g="0" b="0"/>
-        </a:fillRef>
-        <a:effectRef idx="0">
-          <a:scrgbClr r="0" g="0" b="0"/>
-        </a:effectRef>
-        <a:fontRef idx="minor">
-          <a:schemeClr val="lt1"/>
-        </a:fontRef>
-      </dsp:style>
-      <dsp:txBody>
-        <a:bodyPr spcFirstLastPara="0" vert="horz" wrap="square" lIns="131720" tIns="0" rIns="131720" bIns="0" numCol="1" spcCol="1270" anchor="ctr" anchorCtr="0">
-          <a:noAutofit/>
-        </a:bodyPr>
-        <a:lstStyle/>
-        <a:p>
-          <a:pPr marL="0" lvl="0" indent="0" algn="l" defTabSz="800100">
-            <a:lnSpc>
-              <a:spcPct val="90000"/>
-            </a:lnSpc>
-            <a:spcBef>
-              <a:spcPct val="0"/>
-            </a:spcBef>
-            <a:spcAft>
-              <a:spcPct val="35000"/>
-            </a:spcAft>
-            <a:buNone/>
-          </a:pPr>
-          <a:r>
-            <a:rPr lang="en-US" sz="1800" kern="1200" dirty="0"/>
-            <a:t>Group B</a:t>
-          </a:r>
-        </a:p>
-      </dsp:txBody>
-      <dsp:txXfrm>
-        <a:off x="274859" y="1440198"/>
-        <a:ext cx="3433002" cy="479482"/>
-      </dsp:txXfrm>
-    </dsp:sp>
-    <dsp:sp modelId="{964E6811-5072-4466-B721-689C35A65029}">
-      <dsp:nvSpPr>
-        <dsp:cNvPr id="0" name=""/>
-        <dsp:cNvSpPr/>
-      </dsp:nvSpPr>
-      <dsp:spPr>
-        <a:xfrm>
-          <a:off x="0" y="3063420"/>
-          <a:ext cx="4978400" cy="1020600"/>
-        </a:xfrm>
-        <a:prstGeom prst="rect">
-          <a:avLst/>
-        </a:prstGeom>
-        <a:solidFill>
-          <a:schemeClr val="lt1">
-            <a:alpha val="90000"/>
-            <a:hueOff val="0"/>
-            <a:satOff val="0"/>
-            <a:lumOff val="0"/>
-            <a:alphaOff val="0"/>
-          </a:schemeClr>
-        </a:solidFill>
-        <a:ln w="12700" cap="flat" cmpd="sng" algn="ctr">
-          <a:solidFill>
-            <a:schemeClr val="accent2">
-              <a:hueOff val="-1455363"/>
-              <a:satOff val="-83928"/>
-              <a:lumOff val="8628"/>
-              <a:alphaOff val="0"/>
-            </a:schemeClr>
-          </a:solidFill>
-          <a:prstDash val="solid"/>
-          <a:miter lim="800000"/>
-        </a:ln>
-        <a:effectLst/>
-      </dsp:spPr>
-      <dsp:style>
-        <a:lnRef idx="2">
-          <a:scrgbClr r="0" g="0" b="0"/>
-        </a:lnRef>
-        <a:fillRef idx="1">
-          <a:scrgbClr r="0" g="0" b="0"/>
-        </a:fillRef>
-        <a:effectRef idx="0">
-          <a:scrgbClr r="0" g="0" b="0"/>
-        </a:effectRef>
-        <a:fontRef idx="minor"/>
-      </dsp:style>
-      <dsp:txBody>
-        <a:bodyPr spcFirstLastPara="0" vert="horz" wrap="square" lIns="386379" tIns="374904" rIns="386379" bIns="128016" numCol="1" spcCol="1270" anchor="t" anchorCtr="0">
-          <a:noAutofit/>
-        </a:bodyPr>
-        <a:lstStyle/>
-        <a:p>
-          <a:pPr marL="171450" lvl="1" indent="-171450" algn="l" defTabSz="800100">
-            <a:lnSpc>
-              <a:spcPct val="90000"/>
-            </a:lnSpc>
-            <a:spcBef>
-              <a:spcPct val="0"/>
-            </a:spcBef>
-            <a:spcAft>
-              <a:spcPct val="15000"/>
-            </a:spcAft>
-            <a:buChar char="•"/>
-          </a:pPr>
-          <a:r>
-            <a:rPr lang="en-US" sz="1800" kern="1200" dirty="0"/>
-            <a:t>Task 1</a:t>
-          </a:r>
-        </a:p>
-        <a:p>
-          <a:pPr marL="171450" lvl="1" indent="-171450" algn="l" defTabSz="800100">
-            <a:lnSpc>
-              <a:spcPct val="90000"/>
-            </a:lnSpc>
-            <a:spcBef>
-              <a:spcPct val="0"/>
-            </a:spcBef>
-            <a:spcAft>
-              <a:spcPct val="15000"/>
-            </a:spcAft>
-            <a:buChar char="•"/>
-          </a:pPr>
-          <a:r>
-            <a:rPr lang="en-US" sz="1800" kern="1200" dirty="0"/>
-            <a:t>Task 2</a:t>
-          </a:r>
-        </a:p>
-      </dsp:txBody>
-      <dsp:txXfrm>
-        <a:off x="0" y="3063420"/>
-        <a:ext cx="4978400" cy="1020600"/>
-      </dsp:txXfrm>
-    </dsp:sp>
-    <dsp:sp modelId="{5B203A22-00AF-46E7-9415-C6DAFD7E01CC}">
-      <dsp:nvSpPr>
-        <dsp:cNvPr id="0" name=""/>
-        <dsp:cNvSpPr/>
-      </dsp:nvSpPr>
-      <dsp:spPr>
-        <a:xfrm>
-          <a:off x="248920" y="2797740"/>
-          <a:ext cx="3484880" cy="531360"/>
-        </a:xfrm>
-        <a:prstGeom prst="roundRect">
-          <a:avLst/>
-        </a:prstGeom>
-        <a:solidFill>
-          <a:schemeClr val="accent2">
-            <a:hueOff val="-1455363"/>
-            <a:satOff val="-83928"/>
-            <a:lumOff val="8628"/>
-            <a:alphaOff val="0"/>
-          </a:schemeClr>
-        </a:solidFill>
-        <a:ln w="12700" cap="flat" cmpd="sng" algn="ctr">
-          <a:solidFill>
-            <a:schemeClr val="lt1">
-              <a:hueOff val="0"/>
-              <a:satOff val="0"/>
-              <a:lumOff val="0"/>
-              <a:alphaOff val="0"/>
-            </a:schemeClr>
-          </a:solidFill>
-          <a:prstDash val="solid"/>
-          <a:miter lim="800000"/>
-        </a:ln>
-        <a:effectLst/>
-      </dsp:spPr>
-      <dsp:style>
-        <a:lnRef idx="2">
-          <a:scrgbClr r="0" g="0" b="0"/>
-        </a:lnRef>
-        <a:fillRef idx="1">
-          <a:scrgbClr r="0" g="0" b="0"/>
-        </a:fillRef>
-        <a:effectRef idx="0">
-          <a:scrgbClr r="0" g="0" b="0"/>
-        </a:effectRef>
-        <a:fontRef idx="minor">
-          <a:schemeClr val="lt1"/>
-        </a:fontRef>
-      </dsp:style>
-      <dsp:txBody>
-        <a:bodyPr spcFirstLastPara="0" vert="horz" wrap="square" lIns="131720" tIns="0" rIns="131720" bIns="0" numCol="1" spcCol="1270" anchor="ctr" anchorCtr="0">
-          <a:noAutofit/>
-        </a:bodyPr>
-        <a:lstStyle/>
-        <a:p>
-          <a:pPr marL="0" lvl="0" indent="0" algn="l" defTabSz="800100">
-            <a:lnSpc>
-              <a:spcPct val="90000"/>
-            </a:lnSpc>
-            <a:spcBef>
-              <a:spcPct val="0"/>
-            </a:spcBef>
-            <a:spcAft>
-              <a:spcPct val="35000"/>
-            </a:spcAft>
-            <a:buNone/>
-          </a:pPr>
-          <a:r>
-            <a:rPr lang="en-US" sz="1800" kern="1200" dirty="0"/>
-            <a:t>Group C</a:t>
-          </a:r>
-        </a:p>
-      </dsp:txBody>
-      <dsp:txXfrm>
-        <a:off x="274859" y="2823679"/>
-        <a:ext cx="3433002" cy="479482"/>
-      </dsp:txXfrm>
-    </dsp:sp>
-  </dsp:spTree>
-</dsp:drawing>
-</file>
-
-<file path=ppt/diagrams/layout1.xml><?xml version="1.0" encoding="utf-8"?>
-<dgm:layoutDef xmlns:dgm="http://schemas.openxmlformats.org/drawingml/2006/diagram" xmlns:a="http://schemas.openxmlformats.org/drawingml/2006/main" uniqueId="urn:microsoft.com/office/officeart/2005/8/layout/list1">
-  <dgm:title val=""/>
-  <dgm:desc val=""/>
-  <dgm:catLst>
-    <dgm:cat type="list" pri="4000"/>
-  </dgm:catLst>
-  <dgm:sampData>
-    <dgm:dataModel>
-      <dgm:ptLst>
-        <dgm:pt modelId="0" type="doc"/>
-        <dgm:pt modelId="1">
-          <dgm:prSet phldr="1"/>
-        </dgm:pt>
-        <dgm:pt modelId="2">
-          <dgm:prSet phldr="1"/>
-        </dgm:pt>
-        <dgm:pt modelId="3">
-          <dgm:prSet phldr="1"/>
-        </dgm:pt>
-      </dgm:ptLst>
-      <dgm:cxnLst>
-        <dgm:cxn modelId="4" srcId="0" destId="1" srcOrd="0" destOrd="0"/>
-        <dgm:cxn modelId="5" srcId="0" destId="2" srcOrd="1" destOrd="0"/>
-        <dgm:cxn modelId="6" srcId="0" destId="3" srcOrd="2" destOrd="0"/>
-      </dgm:cxnLst>
-      <dgm:bg/>
-      <dgm:whole/>
-    </dgm:dataModel>
-  </dgm:sampData>
-  <dgm:styleData>
-    <dgm:dataModel>
-      <dgm:ptLst>
-        <dgm:pt modelId="0" type="doc"/>
-        <dgm:pt modelId="1"/>
-        <dgm:pt modelId="2"/>
-      </dgm:ptLst>
-      <dgm:cxnLst>
-        <dgm:cxn modelId="4" srcId="0" destId="1" srcOrd="0" destOrd="0"/>
-        <dgm:cxn modelId="5" srcId="0" destId="2" srcOrd="1" destOrd="0"/>
-      </dgm:cxnLst>
-      <dgm:bg/>
-      <dgm:whole/>
-    </dgm:dataModel>
-  </dgm:styleData>
-  <dgm:clrData>
-    <dgm:dataModel>
-      <dgm:ptLst>
-        <dgm:pt modelId="0" type="doc"/>
-        <dgm:pt modelId="1"/>
-        <dgm:pt modelId="2"/>
-        <dgm:pt modelId="3"/>
-        <dgm:pt modelId="4"/>
-      </dgm:ptLst>
-      <dgm:cxnLst>
-        <dgm:cxn modelId="5" srcId="0" destId="1" srcOrd="0" destOrd="0"/>
-        <dgm:cxn modelId="6" srcId="0" destId="2" srcOrd="1" destOrd="0"/>
-        <dgm:cxn modelId="7" srcId="0" destId="3" srcOrd="2" destOrd="0"/>
-        <dgm:cxn modelId="8" srcId="0" destId="4" srcOrd="3" destOrd="0"/>
-      </dgm:cxnLst>
-      <dgm:bg/>
-      <dgm:whole/>
-    </dgm:dataModel>
-  </dgm:clrData>
-  <dgm:layoutNode name="linear">
-    <dgm:varLst>
-      <dgm:dir/>
-      <dgm:animLvl val="lvl"/>
-      <dgm:resizeHandles val="exact"/>
-    </dgm:varLst>
-    <dgm:choose name="Name0">
-      <dgm:if name="Name1" func="var" arg="dir" op="equ" val="norm">
-        <dgm:alg type="lin">
-          <dgm:param type="linDir" val="fromT"/>
-          <dgm:param type="vertAlign" val="mid"/>
-          <dgm:param type="horzAlign" val="l"/>
-          <dgm:param type="nodeHorzAlign" val="l"/>
-        </dgm:alg>
-      </dgm:if>
-      <dgm:else name="Name2">
-        <dgm:alg type="lin">
-          <dgm:param type="linDir" val="fromT"/>
-          <dgm:param type="vertAlign" val="mid"/>
-          <dgm:param type="horzAlign" val="r"/>
-          <dgm:param type="nodeHorzAlign" val="r"/>
-        </dgm:alg>
-      </dgm:else>
-    </dgm:choose>
-    <dgm:shape xmlns:r="http://schemas.openxmlformats.org/officeDocument/2006/relationships" r:blip="">
-      <dgm:adjLst/>
-    </dgm:shape>
-    <dgm:presOf/>
-    <dgm:constrLst>
-      <dgm:constr type="w" for="ch" forName="parentLin" refType="w"/>
-      <dgm:constr type="h" for="ch" forName="parentLin" val="INF"/>
-      <dgm:constr type="w" for="des" forName="parentLeftMargin" refType="w" fact="0.05"/>
-      <dgm:constr type="w" for="des" forName="parentText" refType="w" fact="0.7"/>
-      <dgm:constr type="h" for="des" forName="parentText" refType="primFontSz" refFor="des" refForName="parentText" fact="0.82"/>
-      <dgm:constr type="h" for="ch" forName="negativeSpace" refType="primFontSz" refFor="des" refForName="parentText" fact="-0.41"/>
-      <dgm:constr type="h" for="ch" forName="negativeSpace" refType="h" refFor="des" refForName="parentText" op="lte" fact="-0.82"/>
-      <dgm:constr type="h" for="ch" forName="negativeSpace" refType="h" refFor="des" refForName="parentText" op="gte" fact="-0.82"/>
-      <dgm:constr type="w" for="ch" forName="childText" refType="w"/>
-      <dgm:constr type="h" for="ch" forName="childText" refType="primFontSz" refFor="des" refForName="parentText" fact="0.7"/>
-      <dgm:constr type="primFontSz" for="des" forName="parentText" val="65"/>
-      <dgm:constr type="primFontSz" for="ch" forName="childText" refType="primFontSz" refFor="des" refForName="parentText"/>
-      <dgm:constr type="tMarg" for="ch" forName="childText" refType="primFontSz" refFor="des" refForName="parentText" fact="1.64"/>
-      <dgm:constr type="tMarg" for="ch" forName="childText" refType="h" refFor="des" refForName="parentText" op="lte" fact="3.28"/>
-      <dgm:constr type="tMarg" for="ch" forName="childText" refType="h" refFor="des" refForName="parentText" op="gte" fact="3.28"/>
-      <dgm:constr type="lMarg" for="ch" forName="childText" refType="w" fact="0.22"/>
-      <dgm:constr type="rMarg" for="ch" forName="childText" refType="lMarg" refFor="ch" refForName="childText"/>
-      <dgm:constr type="lMarg" for="des" forName="parentText" refType="w" fact="0.075"/>
-      <dgm:constr type="rMarg" for="des" forName="parentText" refType="lMarg" refFor="des" refForName="parentText"/>
-      <dgm:constr type="h" for="ch" forName="spaceBetweenRectangles" refType="primFontSz" refFor="des" refForName="parentText" fact="0.15"/>
-    </dgm:constrLst>
-    <dgm:ruleLst>
-      <dgm:rule type="primFontSz" for="des" forName="parentText" val="5" fact="NaN" max="NaN"/>
-    </dgm:ruleLst>
-    <dgm:forEach name="Name3" axis="ch" ptType="node">
-      <dgm:layoutNode name="parentLin">
-        <dgm:choose name="Name4">
-          <dgm:if name="Name5" func="var" arg="dir" op="equ" val="norm">
-            <dgm:alg type="lin">
-              <dgm:param type="linDir" val="fromL"/>
-              <dgm:param type="horzAlign" val="l"/>
-              <dgm:param type="nodeHorzAlign" val="l"/>
-            </dgm:alg>
-          </dgm:if>
-          <dgm:else name="Name6">
-            <dgm:alg type="lin">
-              <dgm:param type="linDir" val="fromR"/>
-              <dgm:param type="horzAlign" val="r"/>
-              <dgm:param type="nodeHorzAlign" val="r"/>
-            </dgm:alg>
-          </dgm:else>
-        </dgm:choose>
-        <dgm:shape xmlns:r="http://schemas.openxmlformats.org/officeDocument/2006/relationships" r:blip="">
-          <dgm:adjLst/>
-        </dgm:shape>
-        <dgm:presOf/>
-        <dgm:constrLst/>
-        <dgm:ruleLst/>
-        <dgm:layoutNode name="parentLeftMargin">
-          <dgm:alg type="sp"/>
-          <dgm:shape xmlns:r="http://schemas.openxmlformats.org/officeDocument/2006/relationships" type="rect" r:blip="" hideGeom="1">
-            <dgm:adjLst/>
-          </dgm:shape>
-          <dgm:presOf axis="self"/>
-          <dgm:constrLst>
-            <dgm:constr type="h"/>
-          </dgm:constrLst>
-          <dgm:ruleLst/>
-        </dgm:layoutNode>
-        <dgm:layoutNode name="parentText" styleLbl="node1">
-          <dgm:varLst>
-            <dgm:chMax val="0"/>
-            <dgm:bulletEnabled val="1"/>
-          </dgm:varLst>
-          <dgm:choose name="Name7">
-            <dgm:if name="Name8" func="var" arg="dir" op="equ" val="norm">
-              <dgm:alg type="tx">
-                <dgm:param type="parTxLTRAlign" val="l"/>
-                <dgm:param type="parTxRTLAlign" val="l"/>
-              </dgm:alg>
-            </dgm:if>
-            <dgm:else name="Name9">
-              <dgm:alg type="tx">
-                <dgm:param type="parTxLTRAlign" val="r"/>
-                <dgm:param type="parTxRTLAlign" val="r"/>
-              </dgm:alg>
-            </dgm:else>
-          </dgm:choose>
-          <dgm:shape xmlns:r="http://schemas.openxmlformats.org/officeDocument/2006/relationships" type="roundRect" r:blip="">
-            <dgm:adjLst/>
-          </dgm:shape>
-          <dgm:presOf axis="self" ptType="node"/>
-          <dgm:constrLst>
-            <dgm:constr type="tMarg"/>
-            <dgm:constr type="bMarg"/>
-          </dgm:constrLst>
-          <dgm:ruleLst/>
-        </dgm:layoutNode>
-      </dgm:layoutNode>
-      <dgm:layoutNode name="negativeSpace">
-        <dgm:alg type="sp"/>
-        <dgm:shape xmlns:r="http://schemas.openxmlformats.org/officeDocument/2006/relationships" r:blip="">
-          <dgm:adjLst/>
-        </dgm:shape>
-        <dgm:presOf/>
-        <dgm:constrLst/>
-        <dgm:ruleLst/>
-      </dgm:layoutNode>
-      <dgm:layoutNode name="childText" styleLbl="conFgAcc1">
-        <dgm:varLst>
-          <dgm:bulletEnabled val="1"/>
-        </dgm:varLst>
-        <dgm:alg type="tx">
-          <dgm:param type="stBulletLvl" val="1"/>
-        </dgm:alg>
-        <dgm:shape xmlns:r="http://schemas.openxmlformats.org/officeDocument/2006/relationships" type="rect" r:blip="" zOrderOff="-2">
-          <dgm:adjLst/>
-        </dgm:shape>
-        <dgm:presOf axis="des" ptType="node"/>
-        <dgm:constrLst>
-          <dgm:constr type="secFontSz" refType="primFontSz"/>
-        </dgm:constrLst>
-        <dgm:ruleLst>
-          <dgm:rule type="h" val="INF" fact="NaN" max="NaN"/>
-        </dgm:ruleLst>
-      </dgm:layoutNode>
-      <dgm:forEach name="Name10" axis="followSib" ptType="sibTrans" cnt="1">
-        <dgm:layoutNode name="spaceBetweenRectangles">
-          <dgm:alg type="sp"/>
-          <dgm:shape xmlns:r="http://schemas.openxmlformats.org/officeDocument/2006/relationships" r:blip="">
-            <dgm:adjLst/>
-          </dgm:shape>
-          <dgm:presOf/>
-          <dgm:constrLst/>
-          <dgm:ruleLst/>
-        </dgm:layoutNode>
-      </dgm:forEach>
-    </dgm:forEach>
-  </dgm:layoutNode>
-</dgm:layoutDef>
-</file>
-
-<file path=ppt/diagrams/quickStyle1.xml><?xml version="1.0" encoding="utf-8"?>
-<dgm:styleDef xmlns:dgm="http://schemas.openxmlformats.org/drawingml/2006/diagram" xmlns:a="http://schemas.openxmlformats.org/drawingml/2006/main" uniqueId="urn:microsoft.com/office/officeart/2005/8/quickstyle/simple1">
-  <dgm:title val=""/>
-  <dgm:desc val=""/>
-  <dgm:catLst>
-    <dgm:cat type="simple" pri="10100"/>
-  </dgm:catLst>
-  <dgm:scene3d>
-    <a:camera prst="orthographicFront"/>
-    <a:lightRig rig="threePt" dir="t"/>
-  </dgm:scene3d>
-  <dgm:styleLbl name="node0">
-    <dgm:scene3d>
-      <a:camera prst="orthographicFront"/>
-      <a:lightRig rig="threePt" dir="t"/>
-    </dgm:scene3d>
-    <dgm:sp3d/>
-    <dgm:txPr/>
-    <dgm:style>
-      <a:lnRef idx="2">
-        <a:scrgbClr r="0" g="0" b="0"/>
-      </a:lnRef>
-      <a:fillRef idx="1">
-        <a:scrgbClr r="0" g="0" b="0"/>
-      </a:fillRef>
-      <a:effectRef idx="0">
-        <a:scrgbClr r="0" g="0" b="0"/>
-      </a:effectRef>
-      <a:fontRef idx="minor">
-        <a:schemeClr val="lt1"/>
-      </a:fontRef>
-    </dgm:style>
-  </dgm:styleLbl>
-  <dgm:styleLbl name="lnNode1">
-    <dgm:scene3d>
-      <a:camera prst="orthographicFront"/>
-      <a:lightRig rig="threePt" dir="t"/>
-    </dgm:scene3d>
-    <dgm:sp3d/>
-    <dgm:txPr/>
-    <dgm:style>
-      <a:lnRef idx="2">
-        <a:scrgbClr r="0" g="0" b="0"/>
-      </a:lnRef>
-      <a:fillRef idx="1">
-        <a:scrgbClr r="0" g="0" b="0"/>
-      </a:fillRef>
-      <a:effectRef idx="0">
-        <a:scrgbClr r="0" g="0" b="0"/>
-      </a:effectRef>
-      <a:fontRef idx="minor">
-        <a:schemeClr val="lt1"/>
-      </a:fontRef>
-    </dgm:style>
-  </dgm:styleLbl>
-  <dgm:styleLbl name="vennNode1">
-    <dgm:scene3d>
-      <a:camera prst="orthographicFront"/>
-      <a:lightRig rig="threePt" dir="t"/>
-    </dgm:scene3d>
-    <dgm:sp3d/>
-    <dgm:txPr/>
-    <dgm:style>
-      <a:lnRef idx="2">
-        <a:scrgbClr r="0" g="0" b="0"/>
-      </a:lnRef>
-      <a:fillRef idx="1">
-        <a:scrgbClr r="0" g="0" b="0"/>
-      </a:fillRef>
-      <a:effectRef idx="0">
-        <a:scrgbClr r="0" g="0" b="0"/>
-      </a:effectRef>
-      <a:fontRef idx="minor">
-        <a:schemeClr val="tx1"/>
-      </a:fontRef>
-    </dgm:style>
-  </dgm:styleLbl>
-  <dgm:styleLbl name="alignNode1">
-    <dgm:scene3d>
-      <a:camera prst="orthographicFront"/>
-      <a:lightRig rig="threePt" dir="t"/>
-    </dgm:scene3d>
-    <dgm:sp3d/>
-    <dgm:txPr/>
-    <dgm:style>
-      <a:lnRef idx="2">
-        <a:scrgbClr r="0" g="0" b="0"/>
-      </a:lnRef>
-      <a:fillRef idx="1">
-        <a:scrgbClr r="0" g="0" b="0"/>
-      </a:fillRef>
-      <a:effectRef idx="0">
-        <a:scrgbClr r="0" g="0" b="0"/>
-      </a:effectRef>
-      <a:fontRef idx="minor">
-        <a:schemeClr val="lt1"/>
-      </a:fontRef>
-    </dgm:style>
-  </dgm:styleLbl>
-  <dgm:styleLbl name="node1">
-    <dgm:scene3d>
-      <a:camera prst="orthographicFront"/>
-      <a:lightRig rig="threePt" dir="t"/>
-    </dgm:scene3d>
-    <dgm:sp3d/>
-    <dgm:txPr/>
-    <dgm:style>
-      <a:lnRef idx="2">
-        <a:scrgbClr r="0" g="0" b="0"/>
-      </a:lnRef>
-      <a:fillRef idx="1">
-        <a:scrgbClr r="0" g="0" b="0"/>
-      </a:fillRef>
-      <a:effectRef idx="0">
-        <a:scrgbClr r="0" g="0" b="0"/>
-      </a:effectRef>
-      <a:fontRef idx="minor">
-        <a:schemeClr val="lt1"/>
-      </a:fontRef>
-    </dgm:style>
-  </dgm:styleLbl>
-  <dgm:styleLbl name="node2">
-    <dgm:scene3d>
-      <a:camera prst="orthographicFront"/>
-      <a:lightRig rig="threePt" dir="t"/>
-    </dgm:scene3d>
-    <dgm:sp3d/>
-    <dgm:txPr/>
-    <dgm:style>
-      <a:lnRef idx="2">
-        <a:scrgbClr r="0" g="0" b="0"/>
-      </a:lnRef>
-      <a:fillRef idx="1">
-        <a:scrgbClr r="0" g="0" b="0"/>
-      </a:fillRef>
-      <a:effectRef idx="0">
-        <a:scrgbClr r="0" g="0" b="0"/>
-      </a:effectRef>
-      <a:fontRef idx="minor">
-        <a:schemeClr val="lt1"/>
-      </a:fontRef>
-    </dgm:style>
-  </dgm:styleLbl>
-  <dgm:styleLbl name="node3">
-    <dgm:scene3d>
-      <a:camera prst="orthographicFront"/>
-      <a:lightRig rig="threePt" dir="t"/>
-    </dgm:scene3d>
-    <dgm:sp3d/>
-    <dgm:txPr/>
-    <dgm:style>
-      <a:lnRef idx="2">
-        <a:scrgbClr r="0" g="0" b="0"/>
-      </a:lnRef>
-      <a:fillRef idx="1">
-        <a:scrgbClr r="0" g="0" b="0"/>
-      </a:fillRef>
-      <a:effectRef idx="0">
-        <a:scrgbClr r="0" g="0" b="0"/>
-      </a:effectRef>
-      <a:fontRef idx="minor">
-        <a:schemeClr val="lt1"/>
-      </a:fontRef>
-    </dgm:style>
-  </dgm:styleLbl>
-  <dgm:styleLbl name="node4">
-    <dgm:scene3d>
-      <a:camera prst="orthographicFront"/>
-      <a:lightRig rig="threePt" dir="t"/>
-    </dgm:scene3d>
-    <dgm:sp3d/>
-    <dgm:txPr/>
-    <dgm:style>
-      <a:lnRef idx="2">
-        <a:scrgbClr r="0" g="0" b="0"/>
-      </a:lnRef>
-      <a:fillRef idx="1">
-        <a:scrgbClr r="0" g="0" b="0"/>
-      </a:fillRef>
-      <a:effectRef idx="0">
-        <a:scrgbClr r="0" g="0" b="0"/>
-      </a:effectRef>
-      <a:fontRef idx="minor">
-        <a:schemeClr val="lt1"/>
-      </a:fontRef>
-    </dgm:style>
-  </dgm:styleLbl>
-  <dgm:styleLbl name="fgImgPlace1">
-    <dgm:scene3d>
-      <a:camera prst="orthographicFront"/>
-      <a:lightRig rig="threePt" dir="t"/>
-    </dgm:scene3d>
-    <dgm:sp3d/>
-    <dgm:txPr/>
-    <dgm:style>
-      <a:lnRef idx="2">
-        <a:scrgbClr r="0" g="0" b="0"/>
-      </a:lnRef>
-      <a:fillRef idx="1">
-        <a:scrgbClr r="0" g="0" b="0"/>
-      </a:fillRef>
-      <a:effectRef idx="0">
-        <a:scrgbClr r="0" g="0" b="0"/>
-      </a:effectRef>
-      <a:fontRef idx="minor"/>
-    </dgm:style>
-  </dgm:styleLbl>
-  <dgm:styleLbl name="alignImgPlace1">
-    <dgm:scene3d>
-      <a:camera prst="orthographicFront"/>
-      <a:lightRig rig="threePt" dir="t"/>
-    </dgm:scene3d>
-    <dgm:sp3d/>
-    <dgm:txPr/>
-    <dgm:style>
-      <a:lnRef idx="2">
-        <a:scrgbClr r="0" g="0" b="0"/>
-      </a:lnRef>
-      <a:fillRef idx="1">
-        <a:scrgbClr r="0" g="0" b="0"/>
-      </a:fillRef>
-      <a:effectRef idx="0">
-        <a:scrgbClr r="0" g="0" b="0"/>
-      </a:effectRef>
-      <a:fontRef idx="minor"/>
-    </dgm:style>
-  </dgm:styleLbl>
-  <dgm:styleLbl name="bgImgPlace1">
-    <dgm:scene3d>
-      <a:camera prst="orthographicFront"/>
-      <a:lightRig rig="threePt" dir="t"/>
-    </dgm:scene3d>
-    <dgm:sp3d/>
-    <dgm:txPr/>
-    <dgm:style>
-      <a:lnRef idx="2">
-        <a:scrgbClr r="0" g="0" b="0"/>
-      </a:lnRef>
-      <a:fillRef idx="1">
-        <a:scrgbClr r="0" g="0" b="0"/>
-      </a:fillRef>
-      <a:effectRef idx="0">
-        <a:scrgbClr r="0" g="0" b="0"/>
-      </a:effectRef>
-      <a:fontRef idx="minor"/>
-    </dgm:style>
-  </dgm:styleLbl>
-  <dgm:styleLbl name="sibTrans2D1">
-    <dgm:scene3d>
-      <a:camera prst="orthographicFront"/>
-      <a:lightRig rig="threePt" dir="t"/>
-    </dgm:scene3d>
-    <dgm:sp3d/>
-    <dgm:txPr/>
-    <dgm:style>
-      <a:lnRef idx="0">
-        <a:scrgbClr r="0" g="0" b="0"/>
-      </a:lnRef>
-      <a:fillRef idx="1">
-        <a:scrgbClr r="0" g="0" b="0"/>
-      </a:fillRef>
-      <a:effectRef idx="0">
-        <a:scrgbClr r="0" g="0" b="0"/>
-      </a:effectRef>
-      <a:fontRef idx="minor">
-        <a:schemeClr val="lt1"/>
-      </a:fontRef>
-    </dgm:style>
-  </dgm:styleLbl>
-  <dgm:styleLbl name="fgSibTrans2D1">
-    <dgm:scene3d>
-      <a:camera prst="orthographicFront"/>
-      <a:lightRig rig="threePt" dir="t"/>
-    </dgm:scene3d>
-    <dgm:sp3d/>
-    <dgm:txPr/>
-    <dgm:style>
-      <a:lnRef idx="0">
-        <a:scrgbClr r="0" g="0" b="0"/>
-      </a:lnRef>
-      <a:fillRef idx="1">
-        <a:scrgbClr r="0" g="0" b="0"/>
-      </a:fillRef>
-      <a:effectRef idx="0">
-        <a:scrgbClr r="0" g="0" b="0"/>
-      </a:effectRef>
-      <a:fontRef idx="minor">
-        <a:schemeClr val="lt1"/>
-      </a:fontRef>
-    </dgm:style>
-  </dgm:styleLbl>
-  <dgm:styleLbl name="bgSibTrans2D1">
-    <dgm:scene3d>
-      <a:camera prst="orthographicFront"/>
-      <a:lightRig rig="threePt" dir="t"/>
-    </dgm:scene3d>
-    <dgm:sp3d/>
-    <dgm:txPr/>
-    <dgm:style>
-      <a:lnRef idx="0">
-        <a:scrgbClr r="0" g="0" b="0"/>
-      </a:lnRef>
-      <a:fillRef idx="1">
-        <a:scrgbClr r="0" g="0" b="0"/>
-      </a:fillRef>
-      <a:effectRef idx="0">
-        <a:scrgbClr r="0" g="0" b="0"/>
-      </a:effectRef>
-      <a:fontRef idx="minor">
-        <a:schemeClr val="lt1"/>
-      </a:fontRef>
-    </dgm:style>
-  </dgm:styleLbl>
-  <dgm:styleLbl name="sibTrans1D1">
-    <dgm:scene3d>
-      <a:camera prst="orthographicFront"/>
-      <a:lightRig rig="threePt" dir="t"/>
-    </dgm:scene3d>
-    <dgm:sp3d/>
-    <dgm:txPr/>
-    <dgm:style>
-      <a:lnRef idx="1">
-        <a:scrgbClr r="0" g="0" b="0"/>
-      </a:lnRef>
-      <a:fillRef idx="0">
-        <a:scrgbClr r="0" g="0" b="0"/>
-      </a:fillRef>
-      <a:effectRef idx="0">
-        <a:scrgbClr r="0" g="0" b="0"/>
-      </a:effectRef>
-      <a:fontRef idx="minor"/>
-    </dgm:style>
-  </dgm:styleLbl>
-  <dgm:styleLbl name="callout">
-    <dgm:scene3d>
-      <a:camera prst="orthographicFront"/>
-      <a:lightRig rig="threePt" dir="t"/>
-    </dgm:scene3d>
-    <dgm:sp3d/>
-    <dgm:txPr/>
-    <dgm:style>
-      <a:lnRef idx="2">
-        <a:scrgbClr r="0" g="0" b="0"/>
-      </a:lnRef>
-      <a:fillRef idx="1">
-        <a:scrgbClr r="0" g="0" b="0"/>
-      </a:fillRef>
-      <a:effectRef idx="0">
-        <a:scrgbClr r="0" g="0" b="0"/>
-      </a:effectRef>
-      <a:fontRef idx="minor"/>
-    </dgm:style>
-  </dgm:styleLbl>
-  <dgm:styleLbl name="asst0">
-    <dgm:scene3d>
-      <a:camera prst="orthographicFront"/>
-      <a:lightRig rig="threePt" dir="t"/>
-    </dgm:scene3d>
-    <dgm:sp3d/>
-    <dgm:txPr/>
-    <dgm:style>
-      <a:lnRef idx="2">
-        <a:scrgbClr r="0" g="0" b="0"/>
-      </a:lnRef>
-      <a:fillRef idx="1">
-        <a:scrgbClr r="0" g="0" b="0"/>
-      </a:fillRef>
-      <a:effectRef idx="0">
-        <a:scrgbClr r="0" g="0" b="0"/>
-      </a:effectRef>
-      <a:fontRef idx="minor">
-        <a:schemeClr val="lt1"/>
-      </a:fontRef>
-    </dgm:style>
-  </dgm:styleLbl>
-  <dgm:styleLbl name="asst1">
-    <dgm:scene3d>
-      <a:camera prst="orthographicFront"/>
-      <a:lightRig rig="threePt" dir="t"/>
-    </dgm:scene3d>
-    <dgm:sp3d/>
-    <dgm:txPr/>
-    <dgm:style>
-      <a:lnRef idx="2">
-        <a:scrgbClr r="0" g="0" b="0"/>
-      </a:lnRef>
-      <a:fillRef idx="1">
-        <a:scrgbClr r="0" g="0" b="0"/>
-      </a:fillRef>
-      <a:effectRef idx="0">
-        <a:scrgbClr r="0" g="0" b="0"/>
-      </a:effectRef>
-      <a:fontRef idx="minor">
-        <a:schemeClr val="lt1"/>
-      </a:fontRef>
-    </dgm:style>
-  </dgm:styleLbl>
-  <dgm:styleLbl name="asst2">
-    <dgm:scene3d>
-      <a:camera prst="orthographicFront"/>
-      <a:lightRig rig="threePt" dir="t"/>
-    </dgm:scene3d>
-    <dgm:sp3d/>
-    <dgm:txPr/>
-    <dgm:style>
-      <a:lnRef idx="2">
-        <a:scrgbClr r="0" g="0" b="0"/>
-      </a:lnRef>
-      <a:fillRef idx="1">
-        <a:scrgbClr r="0" g="0" b="0"/>
-      </a:fillRef>
-      <a:effectRef idx="0">
-        <a:scrgbClr r="0" g="0" b="0"/>
-      </a:effectRef>
-      <a:fontRef idx="minor">
-        <a:schemeClr val="lt1"/>
-      </a:fontRef>
-    </dgm:style>
-  </dgm:styleLbl>
-  <dgm:styleLbl name="asst3">
-    <dgm:scene3d>
-      <a:camera prst="orthographicFront"/>
-      <a:lightRig rig="threePt" dir="t"/>
-    </dgm:scene3d>
-    <dgm:sp3d/>
-    <dgm:txPr/>
-    <dgm:style>
-      <a:lnRef idx="2">
-        <a:scrgbClr r="0" g="0" b="0"/>
-      </a:lnRef>
-      <a:fillRef idx="1">
-        <a:scrgbClr r="0" g="0" b="0"/>
-      </a:fillRef>
-      <a:effectRef idx="0">
-        <a:scrgbClr r="0" g="0" b="0"/>
-      </a:effectRef>
-      <a:fontRef idx="minor">
-        <a:schemeClr val="lt1"/>
-      </a:fontRef>
-    </dgm:style>
-  </dgm:styleLbl>
-  <dgm:styleLbl name="asst4">
-    <dgm:scene3d>
-      <a:camera prst="orthographicFront"/>
-      <a:lightRig rig="threePt" dir="t"/>
-    </dgm:scene3d>
-    <dgm:sp3d/>
-    <dgm:txPr/>
-    <dgm:style>
-      <a:lnRef idx="2">
-        <a:scrgbClr r="0" g="0" b="0"/>
-      </a:lnRef>
-      <a:fillRef idx="1">
-        <a:scrgbClr r="0" g="0" b="0"/>
-      </a:fillRef>
-      <a:effectRef idx="0">
-        <a:scrgbClr r="0" g="0" b="0"/>
-      </a:effectRef>
-      <a:fontRef idx="minor">
-        <a:schemeClr val="lt1"/>
-      </a:fontRef>
-    </dgm:style>
-  </dgm:styleLbl>
-  <dgm:styleLbl name="parChTrans2D1">
-    <dgm:scene3d>
-      <a:camera prst="orthographicFront"/>
-      <a:lightRig rig="threePt" dir="t"/>
-    </dgm:scene3d>
-    <dgm:sp3d/>
-    <dgm:txPr/>
-    <dgm:style>
-      <a:lnRef idx="2">
-        <a:scrgbClr r="0" g="0" b="0"/>
-      </a:lnRef>
-      <a:fillRef idx="1">
-        <a:scrgbClr r="0" g="0" b="0"/>
-      </a:fillRef>
-      <a:effectRef idx="0">
-        <a:scrgbClr r="0" g="0" b="0"/>
-      </a:effectRef>
-      <a:fontRef idx="minor">
-        <a:schemeClr val="lt1"/>
-      </a:fontRef>
-    </dgm:style>
-  </dgm:styleLbl>
-  <dgm:styleLbl name="parChTrans2D2">
-    <dgm:scene3d>
-      <a:camera prst="orthographicFront"/>
-      <a:lightRig rig="threePt" dir="t"/>
-    </dgm:scene3d>
-    <dgm:sp3d/>
-    <dgm:txPr/>
-    <dgm:style>
-      <a:lnRef idx="2">
-        <a:scrgbClr r="0" g="0" b="0"/>
-      </a:lnRef>
-      <a:fillRef idx="1">
-        <a:scrgbClr r="0" g="0" b="0"/>
-      </a:fillRef>
-      <a:effectRef idx="0">
-        <a:scrgbClr r="0" g="0" b="0"/>
-      </a:effectRef>
-      <a:fontRef idx="minor">
-        <a:schemeClr val="lt1"/>
-      </a:fontRef>
-    </dgm:style>
-  </dgm:styleLbl>
-  <dgm:styleLbl name="parChTrans2D3">
-    <dgm:scene3d>
-      <a:camera prst="orthographicFront"/>
-      <a:lightRig rig="threePt" dir="t"/>
-    </dgm:scene3d>
-    <dgm:sp3d/>
-    <dgm:txPr/>
-    <dgm:style>
-      <a:lnRef idx="2">
-        <a:scrgbClr r="0" g="0" b="0"/>
-      </a:lnRef>
-      <a:fillRef idx="1">
-        <a:scrgbClr r="0" g="0" b="0"/>
-      </a:fillRef>
-      <a:effectRef idx="0">
-        <a:scrgbClr r="0" g="0" b="0"/>
-      </a:effectRef>
-      <a:fontRef idx="minor">
-        <a:schemeClr val="lt1"/>
-      </a:fontRef>
-    </dgm:style>
-  </dgm:styleLbl>
-  <dgm:styleLbl name="parChTrans2D4">
-    <dgm:scene3d>
-      <a:camera prst="orthographicFront"/>
-      <a:lightRig rig="threePt" dir="t"/>
-    </dgm:scene3d>
-    <dgm:sp3d/>
-    <dgm:txPr/>
-    <dgm:style>
-      <a:lnRef idx="2">
-        <a:scrgbClr r="0" g="0" b="0"/>
-      </a:lnRef>
-      <a:fillRef idx="1">
-        <a:scrgbClr r="0" g="0" b="0"/>
-      </a:fillRef>
-      <a:effectRef idx="0">
-        <a:scrgbClr r="0" g="0" b="0"/>
-      </a:effectRef>
-      <a:fontRef idx="minor">
-        <a:schemeClr val="lt1"/>
-      </a:fontRef>
-    </dgm:style>
-  </dgm:styleLbl>
-  <dgm:styleLbl name="parChTrans1D1">
-    <dgm:scene3d>
-      <a:camera prst="orthographicFront"/>
-      <a:lightRig rig="threePt" dir="t"/>
-    </dgm:scene3d>
-    <dgm:sp3d/>
-    <dgm:txPr/>
-    <dgm:style>
-      <a:lnRef idx="2">
-        <a:scrgbClr r="0" g="0" b="0"/>
-      </a:lnRef>
-      <a:fillRef idx="0">
-        <a:scrgbClr r="0" g="0" b="0"/>
-      </a:fillRef>
-      <a:effectRef idx="0">
-        <a:scrgbClr r="0" g="0" b="0"/>
-      </a:effectRef>
-      <a:fontRef idx="minor"/>
-    </dgm:style>
-  </dgm:styleLbl>
-  <dgm:styleLbl name="parChTrans1D2">
-    <dgm:scene3d>
-      <a:camera prst="orthographicFront"/>
-      <a:lightRig rig="threePt" dir="t"/>
-    </dgm:scene3d>
-    <dgm:sp3d/>
-    <dgm:txPr/>
-    <dgm:style>
-      <a:lnRef idx="2">
-        <a:scrgbClr r="0" g="0" b="0"/>
-      </a:lnRef>
-      <a:fillRef idx="0">
-        <a:scrgbClr r="0" g="0" b="0"/>
-      </a:fillRef>
-      <a:effectRef idx="0">
-        <a:scrgbClr r="0" g="0" b="0"/>
-      </a:effectRef>
-      <a:fontRef idx="minor"/>
-    </dgm:style>
-  </dgm:styleLbl>
-  <dgm:styleLbl name="parChTrans1D3">
-    <dgm:scene3d>
-      <a:camera prst="orthographicFront"/>
-      <a:lightRig rig="threePt" dir="t"/>
-    </dgm:scene3d>
-    <dgm:sp3d/>
-    <dgm:txPr/>
-    <dgm:style>
-      <a:lnRef idx="2">
-        <a:scrgbClr r="0" g="0" b="0"/>
-      </a:lnRef>
-      <a:fillRef idx="0">
-        <a:scrgbClr r="0" g="0" b="0"/>
-      </a:fillRef>
-      <a:effectRef idx="0">
-        <a:scrgbClr r="0" g="0" b="0"/>
-      </a:effectRef>
-      <a:fontRef idx="minor"/>
-    </dgm:style>
-  </dgm:styleLbl>
-  <dgm:styleLbl name="parChTrans1D4">
-    <dgm:scene3d>
-      <a:camera prst="orthographicFront"/>
-      <a:lightRig rig="threePt" dir="t"/>
-    </dgm:scene3d>
-    <dgm:sp3d/>
-    <dgm:txPr/>
-    <dgm:style>
-      <a:lnRef idx="2">
-        <a:scrgbClr r="0" g="0" b="0"/>
-      </a:lnRef>
-      <a:fillRef idx="0">
-        <a:scrgbClr r="0" g="0" b="0"/>
-      </a:fillRef>
-      <a:effectRef idx="0">
-        <a:scrgbClr r="0" g="0" b="0"/>
-      </a:effectRef>
-      <a:fontRef idx="minor"/>
-    </dgm:style>
-  </dgm:styleLbl>
-  <dgm:styleLbl name="fgAcc1">
-    <dgm:scene3d>
-      <a:camera prst="orthographicFront"/>
-      <a:lightRig rig="threePt" dir="t"/>
-    </dgm:scene3d>
-    <dgm:sp3d/>
-    <dgm:txPr/>
-    <dgm:style>
-      <a:lnRef idx="2">
-        <a:scrgbClr r="0" g="0" b="0"/>
-      </a:lnRef>
-      <a:fillRef idx="1">
-        <a:scrgbClr r="0" g="0" b="0"/>
-      </a:fillRef>
-      <a:effectRef idx="0">
-        <a:scrgbClr r="0" g="0" b="0"/>
-      </a:effectRef>
-      <a:fontRef idx="minor"/>
-    </dgm:style>
-  </dgm:styleLbl>
-  <dgm:styleLbl name="conFgAcc1">
-    <dgm:scene3d>
-      <a:camera prst="orthographicFront"/>
-      <a:lightRig rig="threePt" dir="t"/>
-    </dgm:scene3d>
-    <dgm:sp3d/>
-    <dgm:txPr/>
-    <dgm:style>
-      <a:lnRef idx="2">
-        <a:scrgbClr r="0" g="0" b="0"/>
-      </a:lnRef>
-      <a:fillRef idx="1">
-        <a:scrgbClr r="0" g="0" b="0"/>
-      </a:fillRef>
-      <a:effectRef idx="0">
-        <a:scrgbClr r="0" g="0" b="0"/>
-      </a:effectRef>
-      <a:fontRef idx="minor"/>
-    </dgm:style>
-  </dgm:styleLbl>
-  <dgm:styleLbl name="alignAcc1">
-    <dgm:scene3d>
-      <a:camera prst="orthographicFront"/>
-      <a:lightRig rig="threePt" dir="t"/>
-    </dgm:scene3d>
-    <dgm:sp3d/>
-    <dgm:txPr/>
-    <dgm:style>
-      <a:lnRef idx="2">
-        <a:scrgbClr r="0" g="0" b="0"/>
-      </a:lnRef>
-      <a:fillRef idx="1">
-        <a:scrgbClr r="0" g="0" b="0"/>
-      </a:fillRef>
-      <a:effectRef idx="0">
-        <a:scrgbClr r="0" g="0" b="0"/>
-      </a:effectRef>
-      <a:fontRef idx="minor"/>
-    </dgm:style>
-  </dgm:styleLbl>
-  <dgm:styleLbl name="trAlignAcc1">
-    <dgm:scene3d>
-      <a:camera prst="orthographicFront"/>
-      <a:lightRig rig="threePt" dir="t"/>
-    </dgm:scene3d>
-    <dgm:sp3d/>
-    <dgm:txPr/>
-    <dgm:style>
-      <a:lnRef idx="1">
-        <a:scrgbClr r="0" g="0" b="0"/>
-      </a:lnRef>
-      <a:fillRef idx="1">
-        <a:scrgbClr r="0" g="0" b="0"/>
-      </a:fillRef>
-      <a:effectRef idx="0">
-        <a:scrgbClr r="0" g="0" b="0"/>
-      </a:effectRef>
-      <a:fontRef idx="minor"/>
-    </dgm:style>
-  </dgm:styleLbl>
-  <dgm:styleLbl name="bgAcc1">
-    <dgm:scene3d>
-      <a:camera prst="orthographicFront"/>
-      <a:lightRig rig="threePt" dir="t"/>
-    </dgm:scene3d>
-    <dgm:sp3d/>
-    <dgm:txPr/>
-    <dgm:style>
-      <a:lnRef idx="2">
-        <a:scrgbClr r="0" g="0" b="0"/>
-      </a:lnRef>
-      <a:fillRef idx="1">
-        <a:scrgbClr r="0" g="0" b="0"/>
-      </a:fillRef>
-      <a:effectRef idx="0">
-        <a:scrgbClr r="0" g="0" b="0"/>
-      </a:effectRef>
-      <a:fontRef idx="minor"/>
-    </dgm:style>
-  </dgm:styleLbl>
-  <dgm:styleLbl name="solidFgAcc1">
-    <dgm:scene3d>
-      <a:camera prst="orthographicFront"/>
-      <a:lightRig rig="threePt" dir="t"/>
-    </dgm:scene3d>
-    <dgm:sp3d/>
-    <dgm:txPr/>
-    <dgm:style>
-      <a:lnRef idx="2">
-        <a:scrgbClr r="0" g="0" b="0"/>
-      </a:lnRef>
-      <a:fillRef idx="1">
-        <a:scrgbClr r="0" g="0" b="0"/>
-      </a:fillRef>
-      <a:effectRef idx="0">
-        <a:scrgbClr r="0" g="0" b="0"/>
-      </a:effectRef>
-      <a:fontRef idx="minor"/>
-    </dgm:style>
-  </dgm:styleLbl>
-  <dgm:styleLbl name="solidAlignAcc1">
-    <dgm:scene3d>
-      <a:camera prst="orthographicFront"/>
-      <a:lightRig rig="threePt" dir="t"/>
-    </dgm:scene3d>
-    <dgm:sp3d/>
-    <dgm:txPr/>
-    <dgm:style>
-      <a:lnRef idx="2">
-        <a:scrgbClr r="0" g="0" b="0"/>
-      </a:lnRef>
-      <a:fillRef idx="1">
-        <a:scrgbClr r="0" g="0" b="0"/>
-      </a:fillRef>
-      <a:effectRef idx="0">
-        <a:scrgbClr r="0" g="0" b="0"/>
-      </a:effectRef>
-      <a:fontRef idx="minor"/>
-    </dgm:style>
-  </dgm:styleLbl>
-  <dgm:styleLbl name="solidBgAcc1">
-    <dgm:scene3d>
-      <a:camera prst="orthographicFront"/>
-      <a:lightRig rig="threePt" dir="t"/>
-    </dgm:scene3d>
-    <dgm:sp3d/>
-    <dgm:txPr/>
-    <dgm:style>
-      <a:lnRef idx="2">
-        <a:scrgbClr r="0" g="0" b="0"/>
-      </a:lnRef>
-      <a:fillRef idx="1">
-        <a:scrgbClr r="0" g="0" b="0"/>
-      </a:fillRef>
-      <a:effectRef idx="0">
-        <a:scrgbClr r="0" g="0" b="0"/>
-      </a:effectRef>
-      <a:fontRef idx="minor"/>
-    </dgm:style>
-  </dgm:styleLbl>
-  <dgm:styleLbl name="fgAccFollowNode1">
-    <dgm:scene3d>
-      <a:camera prst="orthographicFront"/>
-      <a:lightRig rig="threePt" dir="t"/>
-    </dgm:scene3d>
-    <dgm:sp3d/>
-    <dgm:txPr/>
-    <dgm:style>
-      <a:lnRef idx="2">
-        <a:scrgbClr r="0" g="0" b="0"/>
-      </a:lnRef>
-      <a:fillRef idx="1">
-        <a:scrgbClr r="0" g="0" b="0"/>
-      </a:fillRef>
-      <a:effectRef idx="0">
-        <a:scrgbClr r="0" g="0" b="0"/>
-      </a:effectRef>
-      <a:fontRef idx="minor"/>
-    </dgm:style>
-  </dgm:styleLbl>
-  <dgm:styleLbl name="alignAccFollowNode1">
-    <dgm:scene3d>
-      <a:camera prst="orthographicFront"/>
-      <a:lightRig rig="threePt" dir="t"/>
-    </dgm:scene3d>
-    <dgm:sp3d/>
-    <dgm:txPr/>
-    <dgm:style>
-      <a:lnRef idx="2">
-        <a:scrgbClr r="0" g="0" b="0"/>
-      </a:lnRef>
-      <a:fillRef idx="1">
-        <a:scrgbClr r="0" g="0" b="0"/>
-      </a:fillRef>
-      <a:effectRef idx="0">
-        <a:scrgbClr r="0" g="0" b="0"/>
-      </a:effectRef>
-      <a:fontRef idx="minor"/>
-    </dgm:style>
-  </dgm:styleLbl>
-  <dgm:styleLbl name="bgAccFollowNode1">
-    <dgm:scene3d>
-      <a:camera prst="orthographicFront"/>
-      <a:lightRig rig="threePt" dir="t"/>
-    </dgm:scene3d>
-    <dgm:sp3d/>
-    <dgm:txPr/>
-    <dgm:style>
-      <a:lnRef idx="2">
-        <a:scrgbClr r="0" g="0" b="0"/>
-      </a:lnRef>
-      <a:fillRef idx="1">
-        <a:scrgbClr r="0" g="0" b="0"/>
-      </a:fillRef>
-      <a:effectRef idx="0">
-        <a:scrgbClr r="0" g="0" b="0"/>
-      </a:effectRef>
-      <a:fontRef idx="minor"/>
-    </dgm:style>
-  </dgm:styleLbl>
-  <dgm:styleLbl name="fgAcc0">
-    <dgm:scene3d>
-      <a:camera prst="orthographicFront"/>
-      <a:lightRig rig="threePt" dir="t"/>
-    </dgm:scene3d>
-    <dgm:sp3d/>
-    <dgm:txPr/>
-    <dgm:style>
-      <a:lnRef idx="2">
-        <a:scrgbClr r="0" g="0" b="0"/>
-      </a:lnRef>
-      <a:fillRef idx="1">
-        <a:scrgbClr r="0" g="0" b="0"/>
-      </a:fillRef>
-      <a:effectRef idx="0">
-        <a:scrgbClr r="0" g="0" b="0"/>
-      </a:effectRef>
-      <a:fontRef idx="minor"/>
-    </dgm:style>
-  </dgm:styleLbl>
-  <dgm:styleLbl name="fgAcc2">
-    <dgm:scene3d>
-      <a:camera prst="orthographicFront"/>
-      <a:lightRig rig="threePt" dir="t"/>
-    </dgm:scene3d>
-    <dgm:sp3d/>
-    <dgm:txPr/>
-    <dgm:style>
-      <a:lnRef idx="2">
-        <a:scrgbClr r="0" g="0" b="0"/>
-      </a:lnRef>
-      <a:fillRef idx="1">
-        <a:scrgbClr r="0" g="0" b="0"/>
-      </a:fillRef>
-      <a:effectRef idx="0">
-        <a:scrgbClr r="0" g="0" b="0"/>
-      </a:effectRef>
-      <a:fontRef idx="minor"/>
-    </dgm:style>
-  </dgm:styleLbl>
-  <dgm:styleLbl name="fgAcc3">
-    <dgm:scene3d>
-      <a:camera prst="orthographicFront"/>
-      <a:lightRig rig="threePt" dir="t"/>
-    </dgm:scene3d>
-    <dgm:sp3d/>
-    <dgm:txPr/>
-    <dgm:style>
-      <a:lnRef idx="2">
-        <a:scrgbClr r="0" g="0" b="0"/>
-      </a:lnRef>
-      <a:fillRef idx="1">
-        <a:scrgbClr r="0" g="0" b="0"/>
-      </a:fillRef>
-      <a:effectRef idx="0">
-        <a:scrgbClr r="0" g="0" b="0"/>
-      </a:effectRef>
-      <a:fontRef idx="minor"/>
-    </dgm:style>
-  </dgm:styleLbl>
-  <dgm:styleLbl name="fgAcc4">
-    <dgm:scene3d>
-      <a:camera prst="orthographicFront"/>
-      <a:lightRig rig="threePt" dir="t"/>
-    </dgm:scene3d>
-    <dgm:sp3d/>
-    <dgm:txPr/>
-    <dgm:style>
-      <a:lnRef idx="2">
-        <a:scrgbClr r="0" g="0" b="0"/>
-      </a:lnRef>
-      <a:fillRef idx="1">
-        <a:scrgbClr r="0" g="0" b="0"/>
-      </a:fillRef>
-      <a:effectRef idx="0">
-        <a:scrgbClr r="0" g="0" b="0"/>
-      </a:effectRef>
-      <a:fontRef idx="minor"/>
-    </dgm:style>
-  </dgm:styleLbl>
-  <dgm:styleLbl name="bgShp">
-    <dgm:scene3d>
-      <a:camera prst="orthographicFront"/>
-      <a:lightRig rig="threePt" dir="t"/>
-    </dgm:scene3d>
-    <dgm:sp3d/>
-    <dgm:txPr/>
-    <dgm:style>
-      <a:lnRef idx="0">
-        <a:scrgbClr r="0" g="0" b="0"/>
-      </a:lnRef>
-      <a:fillRef idx="1">
-        <a:scrgbClr r="0" g="0" b="0"/>
-      </a:fillRef>
-      <a:effectRef idx="0">
-        <a:scrgbClr r="0" g="0" b="0"/>
-      </a:effectRef>
-      <a:fontRef idx="minor"/>
-    </dgm:style>
-  </dgm:styleLbl>
-  <dgm:styleLbl name="dkBgShp">
-    <dgm:scene3d>
-      <a:camera prst="orthographicFront"/>
-      <a:lightRig rig="threePt" dir="t"/>
-    </dgm:scene3d>
-    <dgm:sp3d/>
-    <dgm:txPr/>
-    <dgm:style>
-      <a:lnRef idx="0">
-        <a:scrgbClr r="0" g="0" b="0"/>
-      </a:lnRef>
-      <a:fillRef idx="1">
-        <a:scrgbClr r="0" g="0" b="0"/>
-      </a:fillRef>
-      <a:effectRef idx="0">
-        <a:scrgbClr r="0" g="0" b="0"/>
-      </a:effectRef>
-      <a:fontRef idx="minor"/>
-    </dgm:style>
-  </dgm:styleLbl>
-  <dgm:styleLbl name="trBgShp">
-    <dgm:scene3d>
-      <a:camera prst="orthographicFront"/>
-      <a:lightRig rig="threePt" dir="t"/>
-    </dgm:scene3d>
-    <dgm:sp3d/>
-    <dgm:txPr/>
-    <dgm:style>
-      <a:lnRef idx="0">
-        <a:scrgbClr r="0" g="0" b="0"/>
-      </a:lnRef>
-      <a:fillRef idx="1">
-        <a:scrgbClr r="0" g="0" b="0"/>
-      </a:fillRef>
-      <a:effectRef idx="0">
-        <a:scrgbClr r="0" g="0" b="0"/>
-      </a:effectRef>
-      <a:fontRef idx="minor"/>
-    </dgm:style>
-  </dgm:styleLbl>
-  <dgm:styleLbl name="fgShp">
-    <dgm:scene3d>
-      <a:camera prst="orthographicFront"/>
-      <a:lightRig rig="threePt" dir="t"/>
-    </dgm:scene3d>
-    <dgm:sp3d/>
-    <dgm:txPr/>
-    <dgm:style>
-      <a:lnRef idx="2">
-        <a:scrgbClr r="0" g="0" b="0"/>
-      </a:lnRef>
-      <a:fillRef idx="1">
-        <a:scrgbClr r="0" g="0" b="0"/>
-      </a:fillRef>
-      <a:effectRef idx="0">
-        <a:scrgbClr r="0" g="0" b="0"/>
-      </a:effectRef>
-      <a:fontRef idx="minor"/>
-    </dgm:style>
-  </dgm:styleLbl>
-  <dgm:styleLbl name="revTx">
-    <dgm:scene3d>
-      <a:camera prst="orthographicFront"/>
-      <a:lightRig rig="threePt" dir="t"/>
-    </dgm:scene3d>
-    <dgm:sp3d/>
-    <dgm:txPr/>
-    <dgm:style>
-      <a:lnRef idx="0">
-        <a:scrgbClr r="0" g="0" b="0"/>
-      </a:lnRef>
-      <a:fillRef idx="0">
-        <a:scrgbClr r="0" g="0" b="0"/>
-      </a:fillRef>
-      <a:effectRef idx="0">
-        <a:scrgbClr r="0" g="0" b="0"/>
-      </a:effectRef>
-      <a:fontRef idx="minor"/>
-    </dgm:style>
-  </dgm:styleLbl>
-</dgm:styleDef>
 </file>
 
 <file path=ppt/handoutMasters/handoutMaster1.xml><?xml version="1.0" encoding="utf-8"?>
@@ -8260,7 +5162,7 @@
           <a:graphicData uri="http://schemas.openxmlformats.org/presentationml/2006/ole">
             <mc:AlternateContent xmlns:mc="http://schemas.openxmlformats.org/markup-compatibility/2006">
               <mc:Choice xmlns:v="urn:schemas-microsoft-com:vml" Requires="v">
-                <p:oleObj spid="_x0000_s1030" name="Document" showAsIcon="1" r:id="rId3" imgW="914400" imgH="771480" progId="Word.Document.12">
+                <p:oleObj spid="_x0000_s1031" name="Document" showAsIcon="1" r:id="rId3" imgW="914400" imgH="771480" progId="Word.Document.12">
                   <p:embed/>
                 </p:oleObj>
               </mc:Choice>
@@ -8747,73 +5649,51 @@
           <a:lstStyle/>
           <a:p>
             <a:r>
-              <a:rPr lang="en-US"/>
-              <a:t>Two Content Layout with SmartArt</a:t>
-            </a:r>
-            <a:endParaRPr lang="en-US" dirty="0"/>
-          </a:p>
-        </p:txBody>
-      </p:sp>
-      <p:sp>
-        <p:nvSpPr>
-          <p:cNvPr id="10" name="Content Placeholder 9"/>
-          <p:cNvSpPr>
-            <a:spLocks noGrp="1"/>
-          </p:cNvSpPr>
-          <p:nvPr>
-            <p:ph sz="quarter" idx="13"/>
-          </p:nvPr>
-        </p:nvSpPr>
-        <p:spPr/>
-        <p:txBody>
-          <a:bodyPr/>
-          <a:lstStyle/>
-          <a:p>
-            <a:r>
-              <a:rPr lang="en-US"/>
-              <a:t>First bullet point here</a:t>
-            </a:r>
-          </a:p>
-          <a:p>
-            <a:r>
-              <a:rPr lang="en-US"/>
-              <a:t>Second bullet point here</a:t>
-            </a:r>
-          </a:p>
-          <a:p>
-            <a:r>
-              <a:rPr lang="en-US"/>
-              <a:t>Third bullet point here</a:t>
-            </a:r>
-            <a:endParaRPr lang="en-US" dirty="0"/>
-          </a:p>
-        </p:txBody>
-      </p:sp>
-      <p:graphicFrame>
-        <p:nvGraphicFramePr>
-          <p:cNvPr id="9" name="Content Placeholder 8" descr="Vertical Box List diagram showing 3 groups arranged one below the other and bullet points are present under each group"/>
-          <p:cNvGraphicFramePr>
-            <a:graphicFrameLocks noGrp="1"/>
-          </p:cNvGraphicFramePr>
-          <p:nvPr>
-            <p:ph sz="quarter" idx="14"/>
-            <p:extLst>
-              <p:ext uri="{D42A27DB-BD31-4B8C-83A1-F6EECF244321}">
-                <p14:modId xmlns:p14="http://schemas.microsoft.com/office/powerpoint/2010/main" val="4028468487"/>
-              </p:ext>
-            </p:extLst>
-          </p:nvPr>
-        </p:nvGraphicFramePr>
-        <p:xfrm>
-          <a:off x="6400800" y="1600200"/>
-          <a:ext cx="4978400" cy="4114800"/>
-        </p:xfrm>
-        <a:graphic>
-          <a:graphicData uri="http://schemas.openxmlformats.org/drawingml/2006/diagram">
-            <dgm:relIds xmlns:dgm="http://schemas.openxmlformats.org/drawingml/2006/diagram" xmlns:r="http://schemas.openxmlformats.org/officeDocument/2006/relationships" r:dm="rId2" r:lo="rId3" r:qs="rId4" r:cs="rId5"/>
-          </a:graphicData>
-        </a:graphic>
-      </p:graphicFrame>
+              <a:rPr lang="en-US" dirty="0"/>
+              <a:t>Q &amp; A</a:t>
+            </a:r>
+          </a:p>
+        </p:txBody>
+      </p:sp>
+      <p:pic>
+        <p:nvPicPr>
+          <p:cNvPr id="7" name="Picture 6">
+            <a:extLst>
+              <a:ext uri="{FF2B5EF4-FFF2-40B4-BE49-F238E27FC236}">
+                <a16:creationId xmlns:a16="http://schemas.microsoft.com/office/drawing/2014/main" id="{CFF1F161-6BBF-424B-9028-8FF5BFBF9D75}"/>
+              </a:ext>
+            </a:extLst>
+          </p:cNvPr>
+          <p:cNvPicPr>
+            <a:picLocks noChangeAspect="1"/>
+          </p:cNvPicPr>
+          <p:nvPr/>
+        </p:nvPicPr>
+        <p:blipFill>
+          <a:blip r:embed="rId2">
+            <a:extLst>
+              <a:ext uri="{28A0092B-C50C-407E-A947-70E740481C1C}">
+                <a14:useLocalDpi xmlns:a14="http://schemas.microsoft.com/office/drawing/2010/main" val="0"/>
+              </a:ext>
+              <a:ext uri="{837473B0-CC2E-450A-ABE3-18F120FF3D39}">
+                <a1611:picAttrSrcUrl xmlns:a1611="http://schemas.microsoft.com/office/drawing/2016/11/main" r:id="rId3"/>
+              </a:ext>
+            </a:extLst>
+          </a:blip>
+          <a:stretch>
+            <a:fillRect/>
+          </a:stretch>
+        </p:blipFill>
+        <p:spPr>
+          <a:xfrm>
+            <a:off x="3048000" y="381000"/>
+            <a:ext cx="6096000" cy="6096000"/>
+          </a:xfrm>
+          <a:prstGeom prst="rect">
+            <a:avLst/>
+          </a:prstGeom>
+        </p:spPr>
+      </p:pic>
     </p:spTree>
     <p:extLst>
       <p:ext uri="{BB962C8B-B14F-4D97-AF65-F5344CB8AC3E}">
